--- a/Chapter 3/chapter3.pptx
+++ b/Chapter 3/chapter3.pptx
@@ -5,16 +5,17 @@
     <p:sldMasterId id="2147483742" r:id="rId1"/>
   </p:sldMasterIdLst>
   <p:notesMasterIdLst>
-    <p:notesMasterId r:id="rId9"/>
+    <p:notesMasterId r:id="rId10"/>
   </p:notesMasterIdLst>
   <p:sldIdLst>
     <p:sldId id="256" r:id="rId2"/>
     <p:sldId id="315" r:id="rId3"/>
-    <p:sldId id="328" r:id="rId4"/>
-    <p:sldId id="316" r:id="rId5"/>
-    <p:sldId id="348" r:id="rId6"/>
-    <p:sldId id="346" r:id="rId7"/>
-    <p:sldId id="347" r:id="rId8"/>
+    <p:sldId id="349" r:id="rId4"/>
+    <p:sldId id="328" r:id="rId5"/>
+    <p:sldId id="316" r:id="rId6"/>
+    <p:sldId id="348" r:id="rId7"/>
+    <p:sldId id="346" r:id="rId8"/>
+    <p:sldId id="347" r:id="rId9"/>
   </p:sldIdLst>
   <p:sldSz cx="12192000" cy="6858000"/>
   <p:notesSz cx="6858000" cy="9144000"/>
@@ -798,7 +799,7 @@
             <a:fld id="{AF073C7F-8967-4B3F-8F58-504BF3FB9D8B}" type="slidenum">
               <a:rPr lang="en-US" altLang="en-US" smtClean="0"/>
               <a:pPr/>
-              <a:t>4</a:t>
+              <a:t>5</a:t>
             </a:fld>
             <a:endParaRPr lang="en-US" altLang="en-US"/>
           </a:p>
@@ -883,7 +884,7 @@
             <a:fld id="{AF073C7F-8967-4B3F-8F58-504BF3FB9D8B}" type="slidenum">
               <a:rPr lang="en-US" altLang="en-US" smtClean="0"/>
               <a:pPr/>
-              <a:t>5</a:t>
+              <a:t>6</a:t>
             </a:fld>
             <a:endParaRPr lang="en-US" altLang="en-US"/>
           </a:p>
@@ -968,7 +969,7 @@
             <a:fld id="{AF073C7F-8967-4B3F-8F58-504BF3FB9D8B}" type="slidenum">
               <a:rPr lang="en-US" altLang="en-US" smtClean="0"/>
               <a:pPr/>
-              <a:t>6</a:t>
+              <a:t>7</a:t>
             </a:fld>
             <a:endParaRPr lang="en-US" altLang="en-US"/>
           </a:p>
@@ -4213,90 +4214,9 @@
           <a:p>
             <a:r>
               <a:rPr lang="en-US" altLang="zh-CN" dirty="0" smtClean="0"/>
-              <a:t>Static and Dynamic Web Pages</a:t>
+              <a:t>How a Web Server Processes Web Pages</a:t>
             </a:r>
             <a:endParaRPr lang="en-US" altLang="en-US" dirty="0"/>
-          </a:p>
-        </p:txBody>
-      </p:sp>
-      <p:sp>
-        <p:nvSpPr>
-          <p:cNvPr id="3075" name="Rectangle 3"/>
-          <p:cNvSpPr>
-            <a:spLocks noGrp="1" noChangeArrowheads="1"/>
-          </p:cNvSpPr>
-          <p:nvPr>
-            <p:ph idx="1"/>
-          </p:nvPr>
-        </p:nvSpPr>
-        <p:spPr/>
-        <p:txBody>
-          <a:bodyPr>
-            <a:normAutofit lnSpcReduction="10000"/>
-          </a:bodyPr>
-          <a:lstStyle/>
-          <a:p>
-            <a:r>
-              <a:rPr lang="en-US" altLang="en-US" sz="2800" dirty="0" smtClean="0"/>
-              <a:t>A </a:t>
-            </a:r>
-            <a:r>
-              <a:rPr lang="en-US" altLang="en-US" sz="2800" i="1" dirty="0" smtClean="0"/>
-              <a:t>static</a:t>
-            </a:r>
-            <a:r>
-              <a:rPr lang="en-US" altLang="en-US" sz="2800" dirty="0" smtClean="0"/>
-              <a:t> web page only changes when the web developer changes it. </a:t>
-            </a:r>
-          </a:p>
-          <a:p>
-            <a:r>
-              <a:rPr lang="en-US" altLang="en-US" sz="2800" dirty="0" smtClean="0"/>
-              <a:t>A </a:t>
-            </a:r>
-            <a:r>
-              <a:rPr lang="en-US" altLang="en-US" sz="2800" i="1" dirty="0" smtClean="0"/>
-              <a:t>dynamic </a:t>
-            </a:r>
-            <a:r>
-              <a:rPr lang="en-US" altLang="en-US" sz="2800" dirty="0" smtClean="0"/>
-              <a:t>web page is created by a program or script on the web server each time it is created. </a:t>
-            </a:r>
-          </a:p>
-          <a:p>
-            <a:r>
-              <a:rPr lang="en-US" altLang="en-US" sz="2800" dirty="0" smtClean="0"/>
-              <a:t>JSP, PHP, Perl and Python are examples of </a:t>
-            </a:r>
-            <a:r>
-              <a:rPr lang="en-US" altLang="en-US" sz="2800" i="1" dirty="0" smtClean="0"/>
-              <a:t>server-side</a:t>
-            </a:r>
-            <a:r>
-              <a:rPr lang="en-US" altLang="en-US" sz="2800" dirty="0" smtClean="0"/>
-              <a:t> scripting languages.  </a:t>
-            </a:r>
-          </a:p>
-          <a:p>
-            <a:r>
-              <a:rPr lang="en-US" altLang="en-US" sz="2800" dirty="0" smtClean="0"/>
-              <a:t>JavaScript is a scripting language that provides for </a:t>
-            </a:r>
-            <a:r>
-              <a:rPr lang="en-US" altLang="en-US" sz="2800" i="1" dirty="0" smtClean="0"/>
-              <a:t>client-side </a:t>
-            </a:r>
-            <a:r>
-              <a:rPr lang="en-US" altLang="en-US" sz="2800" dirty="0" smtClean="0"/>
-              <a:t>processing. </a:t>
-            </a:r>
-          </a:p>
-          <a:p>
-            <a:r>
-              <a:rPr lang="en-US" altLang="en-US" sz="2800" dirty="0" smtClean="0"/>
-              <a:t>The JavaScript code is executed by the web browser's JavaScript engine. </a:t>
-            </a:r>
-            <a:endParaRPr lang="en-US" altLang="en-US" sz="2800" dirty="0"/>
           </a:p>
         </p:txBody>
       </p:sp>
@@ -4321,6 +4241,961 @@
               <a:t>2</a:t>
             </a:fld>
             <a:endParaRPr lang="en-US" altLang="en-US"/>
+          </a:p>
+        </p:txBody>
+      </p:sp>
+      <p:grpSp>
+        <p:nvGrpSpPr>
+          <p:cNvPr id="10" name="组合 9"/>
+          <p:cNvGrpSpPr/>
+          <p:nvPr/>
+        </p:nvGrpSpPr>
+        <p:grpSpPr>
+          <a:xfrm>
+            <a:off x="2133600" y="1905000"/>
+            <a:ext cx="7467600" cy="1684226"/>
+            <a:chOff x="838200" y="1701993"/>
+            <a:chExt cx="7467600" cy="1684226"/>
+          </a:xfrm>
+        </p:grpSpPr>
+        <p:sp>
+          <p:nvSpPr>
+            <p:cNvPr id="5" name="文本框 4"/>
+            <p:cNvSpPr txBox="1"/>
+            <p:nvPr/>
+          </p:nvSpPr>
+          <p:spPr>
+            <a:xfrm>
+              <a:off x="838200" y="2209800"/>
+              <a:ext cx="1676400" cy="646331"/>
+            </a:xfrm>
+            <a:prstGeom prst="rect">
+              <a:avLst/>
+            </a:prstGeom>
+            <a:noFill/>
+            <a:ln w="15875">
+              <a:solidFill>
+                <a:schemeClr val="tx1"/>
+              </a:solidFill>
+            </a:ln>
+          </p:spPr>
+          <p:txBody>
+            <a:bodyPr wrap="square" rtlCol="0">
+              <a:spAutoFit/>
+            </a:bodyPr>
+            <a:lstStyle/>
+            <a:p>
+              <a:pPr algn="ctr"/>
+              <a:r>
+                <a:rPr lang="en-US" dirty="0" smtClean="0">
+                  <a:latin typeface="Times New Roman" panose="02020603050405020304" pitchFamily="18" charset="0"/>
+                  <a:cs typeface="Times New Roman" panose="02020603050405020304" pitchFamily="18" charset="0"/>
+                </a:rPr>
+                <a:t>Client </a:t>
+              </a:r>
+            </a:p>
+            <a:p>
+              <a:pPr algn="ctr"/>
+              <a:r>
+                <a:rPr lang="en-US" dirty="0" smtClean="0">
+                  <a:latin typeface="Times New Roman" panose="02020603050405020304" pitchFamily="18" charset="0"/>
+                  <a:cs typeface="Times New Roman" panose="02020603050405020304" pitchFamily="18" charset="0"/>
+                </a:rPr>
+                <a:t>(web browser)</a:t>
+              </a:r>
+              <a:endParaRPr lang="en-US" dirty="0">
+                <a:latin typeface="Times New Roman" panose="02020603050405020304" pitchFamily="18" charset="0"/>
+                <a:cs typeface="Times New Roman" panose="02020603050405020304" pitchFamily="18" charset="0"/>
+              </a:endParaRPr>
+            </a:p>
+          </p:txBody>
+        </p:sp>
+        <p:sp>
+          <p:nvSpPr>
+            <p:cNvPr id="8" name="文本框 7"/>
+            <p:cNvSpPr txBox="1"/>
+            <p:nvPr/>
+          </p:nvSpPr>
+          <p:spPr>
+            <a:xfrm>
+              <a:off x="3727173" y="2209800"/>
+              <a:ext cx="1676400" cy="646331"/>
+            </a:xfrm>
+            <a:prstGeom prst="rect">
+              <a:avLst/>
+            </a:prstGeom>
+            <a:noFill/>
+            <a:ln w="15875">
+              <a:solidFill>
+                <a:schemeClr val="tx1"/>
+              </a:solidFill>
+            </a:ln>
+          </p:spPr>
+          <p:txBody>
+            <a:bodyPr wrap="square" rtlCol="0" anchor="ctr" anchorCtr="1">
+              <a:spAutoFit/>
+            </a:bodyPr>
+            <a:lstStyle/>
+            <a:p>
+              <a:pPr algn="ctr"/>
+              <a:r>
+                <a:rPr lang="en-US" dirty="0" smtClean="0">
+                  <a:latin typeface="Times New Roman" panose="02020603050405020304" pitchFamily="18" charset="0"/>
+                  <a:cs typeface="Times New Roman" panose="02020603050405020304" pitchFamily="18" charset="0"/>
+                </a:rPr>
+                <a:t>Web </a:t>
+              </a:r>
+            </a:p>
+            <a:p>
+              <a:pPr algn="ctr"/>
+              <a:r>
+                <a:rPr lang="en-US" dirty="0" smtClean="0">
+                  <a:latin typeface="Times New Roman" panose="02020603050405020304" pitchFamily="18" charset="0"/>
+                  <a:cs typeface="Times New Roman" panose="02020603050405020304" pitchFamily="18" charset="0"/>
+                </a:rPr>
+                <a:t>Server</a:t>
+              </a:r>
+            </a:p>
+          </p:txBody>
+        </p:sp>
+        <p:cxnSp>
+          <p:nvCxnSpPr>
+            <p:cNvPr id="7" name="直接箭头连接符 6"/>
+            <p:cNvCxnSpPr/>
+            <p:nvPr/>
+          </p:nvCxnSpPr>
+          <p:spPr>
+            <a:xfrm>
+              <a:off x="2498034" y="2362200"/>
+              <a:ext cx="1219200" cy="0"/>
+            </a:xfrm>
+            <a:prstGeom prst="straightConnector1">
+              <a:avLst/>
+            </a:prstGeom>
+            <a:ln w="19050">
+              <a:solidFill>
+                <a:schemeClr val="tx1"/>
+              </a:solidFill>
+              <a:tailEnd type="triangle"/>
+            </a:ln>
+          </p:spPr>
+          <p:style>
+            <a:lnRef idx="1">
+              <a:schemeClr val="accent1"/>
+            </a:lnRef>
+            <a:fillRef idx="0">
+              <a:schemeClr val="accent1"/>
+            </a:fillRef>
+            <a:effectRef idx="0">
+              <a:schemeClr val="accent1"/>
+            </a:effectRef>
+            <a:fontRef idx="minor">
+              <a:schemeClr val="tx1"/>
+            </a:fontRef>
+          </p:style>
+        </p:cxnSp>
+        <p:sp>
+          <p:nvSpPr>
+            <p:cNvPr id="9" name="文本框 8"/>
+            <p:cNvSpPr txBox="1"/>
+            <p:nvPr/>
+          </p:nvSpPr>
+          <p:spPr>
+            <a:xfrm>
+              <a:off x="2514600" y="1701993"/>
+              <a:ext cx="1219200" cy="646331"/>
+            </a:xfrm>
+            <a:prstGeom prst="rect">
+              <a:avLst/>
+            </a:prstGeom>
+            <a:noFill/>
+          </p:spPr>
+          <p:txBody>
+            <a:bodyPr wrap="square" rtlCol="0">
+              <a:spAutoFit/>
+            </a:bodyPr>
+            <a:lstStyle/>
+            <a:p>
+              <a:pPr algn="ctr"/>
+              <a:r>
+                <a:rPr lang="en-US" dirty="0" smtClean="0">
+                  <a:latin typeface="Times New Roman" panose="02020603050405020304" pitchFamily="18" charset="0"/>
+                  <a:cs typeface="Times New Roman" panose="02020603050405020304" pitchFamily="18" charset="0"/>
+                </a:rPr>
+                <a:t>HTTP</a:t>
+              </a:r>
+            </a:p>
+            <a:p>
+              <a:pPr algn="ctr"/>
+              <a:r>
+                <a:rPr lang="en-US" dirty="0" smtClean="0">
+                  <a:latin typeface="Times New Roman" panose="02020603050405020304" pitchFamily="18" charset="0"/>
+                  <a:cs typeface="Times New Roman" panose="02020603050405020304" pitchFamily="18" charset="0"/>
+                </a:rPr>
+                <a:t>Request</a:t>
+              </a:r>
+              <a:endParaRPr lang="en-US" dirty="0">
+                <a:latin typeface="Times New Roman" panose="02020603050405020304" pitchFamily="18" charset="0"/>
+                <a:cs typeface="Times New Roman" panose="02020603050405020304" pitchFamily="18" charset="0"/>
+              </a:endParaRPr>
+            </a:p>
+          </p:txBody>
+        </p:sp>
+        <p:sp>
+          <p:nvSpPr>
+            <p:cNvPr id="12" name="文本框 11"/>
+            <p:cNvSpPr txBox="1"/>
+            <p:nvPr/>
+          </p:nvSpPr>
+          <p:spPr>
+            <a:xfrm>
+              <a:off x="2488095" y="2739888"/>
+              <a:ext cx="1219200" cy="646331"/>
+            </a:xfrm>
+            <a:prstGeom prst="rect">
+              <a:avLst/>
+            </a:prstGeom>
+            <a:noFill/>
+          </p:spPr>
+          <p:txBody>
+            <a:bodyPr wrap="square" rtlCol="0">
+              <a:spAutoFit/>
+            </a:bodyPr>
+            <a:lstStyle/>
+            <a:p>
+              <a:pPr algn="ctr"/>
+              <a:r>
+                <a:rPr lang="en-US" dirty="0" smtClean="0">
+                  <a:latin typeface="Times New Roman" panose="02020603050405020304" pitchFamily="18" charset="0"/>
+                  <a:cs typeface="Times New Roman" panose="02020603050405020304" pitchFamily="18" charset="0"/>
+                </a:rPr>
+                <a:t>HTTP</a:t>
+              </a:r>
+            </a:p>
+            <a:p>
+              <a:pPr algn="ctr"/>
+              <a:r>
+                <a:rPr lang="en-US" dirty="0" smtClean="0">
+                  <a:latin typeface="Times New Roman" panose="02020603050405020304" pitchFamily="18" charset="0"/>
+                  <a:cs typeface="Times New Roman" panose="02020603050405020304" pitchFamily="18" charset="0"/>
+                </a:rPr>
+                <a:t>Response</a:t>
+              </a:r>
+              <a:endParaRPr lang="en-US" dirty="0">
+                <a:latin typeface="Times New Roman" panose="02020603050405020304" pitchFamily="18" charset="0"/>
+                <a:cs typeface="Times New Roman" panose="02020603050405020304" pitchFamily="18" charset="0"/>
+              </a:endParaRPr>
+            </a:p>
+          </p:txBody>
+        </p:sp>
+        <p:cxnSp>
+          <p:nvCxnSpPr>
+            <p:cNvPr id="13" name="直接箭头连接符 12"/>
+            <p:cNvCxnSpPr/>
+            <p:nvPr/>
+          </p:nvCxnSpPr>
+          <p:spPr>
+            <a:xfrm>
+              <a:off x="2514600" y="2743200"/>
+              <a:ext cx="1219200" cy="0"/>
+            </a:xfrm>
+            <a:prstGeom prst="straightConnector1">
+              <a:avLst/>
+            </a:prstGeom>
+            <a:ln w="19050">
+              <a:solidFill>
+                <a:schemeClr val="tx1"/>
+              </a:solidFill>
+              <a:headEnd type="triangle"/>
+              <a:tailEnd type="none"/>
+            </a:ln>
+          </p:spPr>
+          <p:style>
+            <a:lnRef idx="1">
+              <a:schemeClr val="accent1"/>
+            </a:lnRef>
+            <a:fillRef idx="0">
+              <a:schemeClr val="accent1"/>
+            </a:fillRef>
+            <a:effectRef idx="0">
+              <a:schemeClr val="accent1"/>
+            </a:effectRef>
+            <a:fontRef idx="minor">
+              <a:schemeClr val="tx1"/>
+            </a:fontRef>
+          </p:style>
+        </p:cxnSp>
+        <p:cxnSp>
+          <p:nvCxnSpPr>
+            <p:cNvPr id="14" name="直接箭头连接符 13"/>
+            <p:cNvCxnSpPr/>
+            <p:nvPr/>
+          </p:nvCxnSpPr>
+          <p:spPr>
+            <a:xfrm>
+              <a:off x="5410200" y="2534478"/>
+              <a:ext cx="1219200" cy="0"/>
+            </a:xfrm>
+            <a:prstGeom prst="straightConnector1">
+              <a:avLst/>
+            </a:prstGeom>
+            <a:ln w="19050">
+              <a:solidFill>
+                <a:schemeClr val="tx1"/>
+              </a:solidFill>
+              <a:headEnd type="triangle"/>
+              <a:tailEnd type="none"/>
+            </a:ln>
+          </p:spPr>
+          <p:style>
+            <a:lnRef idx="1">
+              <a:schemeClr val="accent1"/>
+            </a:lnRef>
+            <a:fillRef idx="0">
+              <a:schemeClr val="accent1"/>
+            </a:fillRef>
+            <a:effectRef idx="0">
+              <a:schemeClr val="accent1"/>
+            </a:effectRef>
+            <a:fontRef idx="minor">
+              <a:schemeClr val="tx1"/>
+            </a:fontRef>
+          </p:style>
+        </p:cxnSp>
+        <p:sp>
+          <p:nvSpPr>
+            <p:cNvPr id="15" name="文本框 14"/>
+            <p:cNvSpPr txBox="1"/>
+            <p:nvPr/>
+          </p:nvSpPr>
+          <p:spPr>
+            <a:xfrm>
+              <a:off x="6629400" y="2209800"/>
+              <a:ext cx="1676400" cy="646331"/>
+            </a:xfrm>
+            <a:prstGeom prst="rect">
+              <a:avLst/>
+            </a:prstGeom>
+            <a:noFill/>
+            <a:ln w="15875">
+              <a:solidFill>
+                <a:schemeClr val="tx1"/>
+              </a:solidFill>
+            </a:ln>
+          </p:spPr>
+          <p:txBody>
+            <a:bodyPr wrap="square" rtlCol="0" anchor="ctr" anchorCtr="1">
+              <a:spAutoFit/>
+            </a:bodyPr>
+            <a:lstStyle/>
+            <a:p>
+              <a:pPr algn="ctr"/>
+              <a:r>
+                <a:rPr lang="en-US" dirty="0" smtClean="0">
+                  <a:latin typeface="Times New Roman" panose="02020603050405020304" pitchFamily="18" charset="0"/>
+                  <a:cs typeface="Times New Roman" panose="02020603050405020304" pitchFamily="18" charset="0"/>
+                </a:rPr>
+                <a:t>HTML</a:t>
+              </a:r>
+            </a:p>
+            <a:p>
+              <a:pPr algn="ctr"/>
+              <a:r>
+                <a:rPr lang="en-US" dirty="0" smtClean="0">
+                  <a:latin typeface="Times New Roman" panose="02020603050405020304" pitchFamily="18" charset="0"/>
+                  <a:cs typeface="Times New Roman" panose="02020603050405020304" pitchFamily="18" charset="0"/>
+                </a:rPr>
+                <a:t>File</a:t>
+              </a:r>
+            </a:p>
+          </p:txBody>
+        </p:sp>
+      </p:grpSp>
+      <p:grpSp>
+        <p:nvGrpSpPr>
+          <p:cNvPr id="11" name="组合 10"/>
+          <p:cNvGrpSpPr/>
+          <p:nvPr/>
+        </p:nvGrpSpPr>
+        <p:grpSpPr>
+          <a:xfrm>
+            <a:off x="977349" y="4183174"/>
+            <a:ext cx="10363200" cy="1684226"/>
+            <a:chOff x="2209800" y="4343400"/>
+            <a:chExt cx="10363200" cy="1684226"/>
+          </a:xfrm>
+        </p:grpSpPr>
+        <p:sp>
+          <p:nvSpPr>
+            <p:cNvPr id="18" name="文本框 17"/>
+            <p:cNvSpPr txBox="1"/>
+            <p:nvPr/>
+          </p:nvSpPr>
+          <p:spPr>
+            <a:xfrm>
+              <a:off x="2209800" y="4851207"/>
+              <a:ext cx="1676400" cy="646331"/>
+            </a:xfrm>
+            <a:prstGeom prst="rect">
+              <a:avLst/>
+            </a:prstGeom>
+            <a:noFill/>
+            <a:ln w="15875">
+              <a:solidFill>
+                <a:schemeClr val="tx1"/>
+              </a:solidFill>
+            </a:ln>
+          </p:spPr>
+          <p:txBody>
+            <a:bodyPr wrap="square" rtlCol="0">
+              <a:spAutoFit/>
+            </a:bodyPr>
+            <a:lstStyle/>
+            <a:p>
+              <a:pPr algn="ctr"/>
+              <a:r>
+                <a:rPr lang="en-US" dirty="0" smtClean="0">
+                  <a:latin typeface="Times New Roman" panose="02020603050405020304" pitchFamily="18" charset="0"/>
+                  <a:cs typeface="Times New Roman" panose="02020603050405020304" pitchFamily="18" charset="0"/>
+                </a:rPr>
+                <a:t>Client </a:t>
+              </a:r>
+            </a:p>
+            <a:p>
+              <a:pPr algn="ctr"/>
+              <a:r>
+                <a:rPr lang="en-US" dirty="0" smtClean="0">
+                  <a:latin typeface="Times New Roman" panose="02020603050405020304" pitchFamily="18" charset="0"/>
+                  <a:cs typeface="Times New Roman" panose="02020603050405020304" pitchFamily="18" charset="0"/>
+                </a:rPr>
+                <a:t>(web browser)</a:t>
+              </a:r>
+              <a:endParaRPr lang="en-US" dirty="0">
+                <a:latin typeface="Times New Roman" panose="02020603050405020304" pitchFamily="18" charset="0"/>
+                <a:cs typeface="Times New Roman" panose="02020603050405020304" pitchFamily="18" charset="0"/>
+              </a:endParaRPr>
+            </a:p>
+          </p:txBody>
+        </p:sp>
+        <p:sp>
+          <p:nvSpPr>
+            <p:cNvPr id="19" name="文本框 18"/>
+            <p:cNvSpPr txBox="1"/>
+            <p:nvPr/>
+          </p:nvSpPr>
+          <p:spPr>
+            <a:xfrm>
+              <a:off x="5098773" y="4851207"/>
+              <a:ext cx="1676400" cy="646331"/>
+            </a:xfrm>
+            <a:prstGeom prst="rect">
+              <a:avLst/>
+            </a:prstGeom>
+            <a:noFill/>
+            <a:ln w="15875">
+              <a:solidFill>
+                <a:schemeClr val="tx1"/>
+              </a:solidFill>
+            </a:ln>
+          </p:spPr>
+          <p:txBody>
+            <a:bodyPr wrap="square" rtlCol="0" anchor="ctr" anchorCtr="1">
+              <a:spAutoFit/>
+            </a:bodyPr>
+            <a:lstStyle/>
+            <a:p>
+              <a:pPr algn="ctr"/>
+              <a:r>
+                <a:rPr lang="en-US" dirty="0" smtClean="0">
+                  <a:latin typeface="Times New Roman" panose="02020603050405020304" pitchFamily="18" charset="0"/>
+                  <a:cs typeface="Times New Roman" panose="02020603050405020304" pitchFamily="18" charset="0"/>
+                </a:rPr>
+                <a:t>Web </a:t>
+              </a:r>
+            </a:p>
+            <a:p>
+              <a:pPr algn="ctr"/>
+              <a:r>
+                <a:rPr lang="en-US" dirty="0" smtClean="0">
+                  <a:latin typeface="Times New Roman" panose="02020603050405020304" pitchFamily="18" charset="0"/>
+                  <a:cs typeface="Times New Roman" panose="02020603050405020304" pitchFamily="18" charset="0"/>
+                </a:rPr>
+                <a:t>Server</a:t>
+              </a:r>
+            </a:p>
+          </p:txBody>
+        </p:sp>
+        <p:cxnSp>
+          <p:nvCxnSpPr>
+            <p:cNvPr id="20" name="直接箭头连接符 19"/>
+            <p:cNvCxnSpPr/>
+            <p:nvPr/>
+          </p:nvCxnSpPr>
+          <p:spPr>
+            <a:xfrm>
+              <a:off x="3869634" y="5003607"/>
+              <a:ext cx="1219200" cy="0"/>
+            </a:xfrm>
+            <a:prstGeom prst="straightConnector1">
+              <a:avLst/>
+            </a:prstGeom>
+            <a:ln w="19050">
+              <a:solidFill>
+                <a:schemeClr val="tx1"/>
+              </a:solidFill>
+              <a:tailEnd type="triangle"/>
+            </a:ln>
+          </p:spPr>
+          <p:style>
+            <a:lnRef idx="1">
+              <a:schemeClr val="accent1"/>
+            </a:lnRef>
+            <a:fillRef idx="0">
+              <a:schemeClr val="accent1"/>
+            </a:fillRef>
+            <a:effectRef idx="0">
+              <a:schemeClr val="accent1"/>
+            </a:effectRef>
+            <a:fontRef idx="minor">
+              <a:schemeClr val="tx1"/>
+            </a:fontRef>
+          </p:style>
+        </p:cxnSp>
+        <p:sp>
+          <p:nvSpPr>
+            <p:cNvPr id="21" name="文本框 20"/>
+            <p:cNvSpPr txBox="1"/>
+            <p:nvPr/>
+          </p:nvSpPr>
+          <p:spPr>
+            <a:xfrm>
+              <a:off x="3886200" y="4343400"/>
+              <a:ext cx="1219200" cy="646331"/>
+            </a:xfrm>
+            <a:prstGeom prst="rect">
+              <a:avLst/>
+            </a:prstGeom>
+            <a:noFill/>
+          </p:spPr>
+          <p:txBody>
+            <a:bodyPr wrap="square" rtlCol="0">
+              <a:spAutoFit/>
+            </a:bodyPr>
+            <a:lstStyle/>
+            <a:p>
+              <a:pPr algn="ctr"/>
+              <a:r>
+                <a:rPr lang="en-US" dirty="0" smtClean="0">
+                  <a:latin typeface="Times New Roman" panose="02020603050405020304" pitchFamily="18" charset="0"/>
+                  <a:cs typeface="Times New Roman" panose="02020603050405020304" pitchFamily="18" charset="0"/>
+                </a:rPr>
+                <a:t>HTTP</a:t>
+              </a:r>
+            </a:p>
+            <a:p>
+              <a:pPr algn="ctr"/>
+              <a:r>
+                <a:rPr lang="en-US" dirty="0" smtClean="0">
+                  <a:latin typeface="Times New Roman" panose="02020603050405020304" pitchFamily="18" charset="0"/>
+                  <a:cs typeface="Times New Roman" panose="02020603050405020304" pitchFamily="18" charset="0"/>
+                </a:rPr>
+                <a:t>Request</a:t>
+              </a:r>
+              <a:endParaRPr lang="en-US" dirty="0">
+                <a:latin typeface="Times New Roman" panose="02020603050405020304" pitchFamily="18" charset="0"/>
+                <a:cs typeface="Times New Roman" panose="02020603050405020304" pitchFamily="18" charset="0"/>
+              </a:endParaRPr>
+            </a:p>
+          </p:txBody>
+        </p:sp>
+        <p:sp>
+          <p:nvSpPr>
+            <p:cNvPr id="22" name="文本框 21"/>
+            <p:cNvSpPr txBox="1"/>
+            <p:nvPr/>
+          </p:nvSpPr>
+          <p:spPr>
+            <a:xfrm>
+              <a:off x="3859695" y="5381295"/>
+              <a:ext cx="1219200" cy="646331"/>
+            </a:xfrm>
+            <a:prstGeom prst="rect">
+              <a:avLst/>
+            </a:prstGeom>
+            <a:noFill/>
+          </p:spPr>
+          <p:txBody>
+            <a:bodyPr wrap="square" rtlCol="0">
+              <a:spAutoFit/>
+            </a:bodyPr>
+            <a:lstStyle/>
+            <a:p>
+              <a:pPr algn="ctr"/>
+              <a:r>
+                <a:rPr lang="en-US" dirty="0" smtClean="0">
+                  <a:latin typeface="Times New Roman" panose="02020603050405020304" pitchFamily="18" charset="0"/>
+                  <a:cs typeface="Times New Roman" panose="02020603050405020304" pitchFamily="18" charset="0"/>
+                </a:rPr>
+                <a:t>HTTP</a:t>
+              </a:r>
+            </a:p>
+            <a:p>
+              <a:pPr algn="ctr"/>
+              <a:r>
+                <a:rPr lang="en-US" dirty="0" smtClean="0">
+                  <a:latin typeface="Times New Roman" panose="02020603050405020304" pitchFamily="18" charset="0"/>
+                  <a:cs typeface="Times New Roman" panose="02020603050405020304" pitchFamily="18" charset="0"/>
+                </a:rPr>
+                <a:t>Response</a:t>
+              </a:r>
+              <a:endParaRPr lang="en-US" dirty="0">
+                <a:latin typeface="Times New Roman" panose="02020603050405020304" pitchFamily="18" charset="0"/>
+                <a:cs typeface="Times New Roman" panose="02020603050405020304" pitchFamily="18" charset="0"/>
+              </a:endParaRPr>
+            </a:p>
+          </p:txBody>
+        </p:sp>
+        <p:cxnSp>
+          <p:nvCxnSpPr>
+            <p:cNvPr id="23" name="直接箭头连接符 22"/>
+            <p:cNvCxnSpPr/>
+            <p:nvPr/>
+          </p:nvCxnSpPr>
+          <p:spPr>
+            <a:xfrm>
+              <a:off x="3886200" y="5384607"/>
+              <a:ext cx="1219200" cy="0"/>
+            </a:xfrm>
+            <a:prstGeom prst="straightConnector1">
+              <a:avLst/>
+            </a:prstGeom>
+            <a:ln w="19050">
+              <a:solidFill>
+                <a:schemeClr val="tx1"/>
+              </a:solidFill>
+              <a:headEnd type="triangle"/>
+              <a:tailEnd type="none"/>
+            </a:ln>
+          </p:spPr>
+          <p:style>
+            <a:lnRef idx="1">
+              <a:schemeClr val="accent1"/>
+            </a:lnRef>
+            <a:fillRef idx="0">
+              <a:schemeClr val="accent1"/>
+            </a:fillRef>
+            <a:effectRef idx="0">
+              <a:schemeClr val="accent1"/>
+            </a:effectRef>
+            <a:fontRef idx="minor">
+              <a:schemeClr val="tx1"/>
+            </a:fontRef>
+          </p:style>
+        </p:cxnSp>
+        <p:cxnSp>
+          <p:nvCxnSpPr>
+            <p:cNvPr id="24" name="直接箭头连接符 23"/>
+            <p:cNvCxnSpPr/>
+            <p:nvPr/>
+          </p:nvCxnSpPr>
+          <p:spPr>
+            <a:xfrm>
+              <a:off x="6781800" y="5344848"/>
+              <a:ext cx="1219200" cy="0"/>
+            </a:xfrm>
+            <a:prstGeom prst="straightConnector1">
+              <a:avLst/>
+            </a:prstGeom>
+            <a:ln w="19050">
+              <a:solidFill>
+                <a:schemeClr val="tx1"/>
+              </a:solidFill>
+              <a:headEnd type="triangle"/>
+              <a:tailEnd type="none"/>
+            </a:ln>
+          </p:spPr>
+          <p:style>
+            <a:lnRef idx="1">
+              <a:schemeClr val="accent1"/>
+            </a:lnRef>
+            <a:fillRef idx="0">
+              <a:schemeClr val="accent1"/>
+            </a:fillRef>
+            <a:effectRef idx="0">
+              <a:schemeClr val="accent1"/>
+            </a:effectRef>
+            <a:fontRef idx="minor">
+              <a:schemeClr val="tx1"/>
+            </a:fontRef>
+          </p:style>
+        </p:cxnSp>
+        <p:sp>
+          <p:nvSpPr>
+            <p:cNvPr id="25" name="文本框 24"/>
+            <p:cNvSpPr txBox="1"/>
+            <p:nvPr/>
+          </p:nvSpPr>
+          <p:spPr>
+            <a:xfrm>
+              <a:off x="8001000" y="4851207"/>
+              <a:ext cx="1676400" cy="646331"/>
+            </a:xfrm>
+            <a:prstGeom prst="rect">
+              <a:avLst/>
+            </a:prstGeom>
+            <a:noFill/>
+            <a:ln w="15875">
+              <a:solidFill>
+                <a:schemeClr val="tx1"/>
+              </a:solidFill>
+            </a:ln>
+          </p:spPr>
+          <p:txBody>
+            <a:bodyPr wrap="square" rtlCol="0" anchor="ctr" anchorCtr="1">
+              <a:spAutoFit/>
+            </a:bodyPr>
+            <a:lstStyle/>
+            <a:p>
+              <a:pPr algn="ctr"/>
+              <a:r>
+                <a:rPr lang="en-US" dirty="0" smtClean="0">
+                  <a:latin typeface="Times New Roman" panose="02020603050405020304" pitchFamily="18" charset="0"/>
+                  <a:cs typeface="Times New Roman" panose="02020603050405020304" pitchFamily="18" charset="0"/>
+                </a:rPr>
+                <a:t>Application Server</a:t>
+              </a:r>
+            </a:p>
+          </p:txBody>
+        </p:sp>
+        <p:cxnSp>
+          <p:nvCxnSpPr>
+            <p:cNvPr id="26" name="直接箭头连接符 25"/>
+            <p:cNvCxnSpPr/>
+            <p:nvPr/>
+          </p:nvCxnSpPr>
+          <p:spPr>
+            <a:xfrm>
+              <a:off x="6781800" y="4992756"/>
+              <a:ext cx="1219200" cy="0"/>
+            </a:xfrm>
+            <a:prstGeom prst="straightConnector1">
+              <a:avLst/>
+            </a:prstGeom>
+            <a:ln w="19050">
+              <a:solidFill>
+                <a:schemeClr val="tx1"/>
+              </a:solidFill>
+              <a:tailEnd type="triangle"/>
+            </a:ln>
+          </p:spPr>
+          <p:style>
+            <a:lnRef idx="1">
+              <a:schemeClr val="accent1"/>
+            </a:lnRef>
+            <a:fillRef idx="0">
+              <a:schemeClr val="accent1"/>
+            </a:fillRef>
+            <a:effectRef idx="0">
+              <a:schemeClr val="accent1"/>
+            </a:effectRef>
+            <a:fontRef idx="minor">
+              <a:schemeClr val="tx1"/>
+            </a:fontRef>
+          </p:style>
+        </p:cxnSp>
+        <p:cxnSp>
+          <p:nvCxnSpPr>
+            <p:cNvPr id="27" name="直接箭头连接符 26"/>
+            <p:cNvCxnSpPr/>
+            <p:nvPr/>
+          </p:nvCxnSpPr>
+          <p:spPr>
+            <a:xfrm>
+              <a:off x="9677400" y="5343649"/>
+              <a:ext cx="1219200" cy="0"/>
+            </a:xfrm>
+            <a:prstGeom prst="straightConnector1">
+              <a:avLst/>
+            </a:prstGeom>
+            <a:ln w="19050">
+              <a:solidFill>
+                <a:schemeClr val="tx1"/>
+              </a:solidFill>
+              <a:headEnd type="triangle"/>
+              <a:tailEnd type="none"/>
+            </a:ln>
+          </p:spPr>
+          <p:style>
+            <a:lnRef idx="1">
+              <a:schemeClr val="accent1"/>
+            </a:lnRef>
+            <a:fillRef idx="0">
+              <a:schemeClr val="accent1"/>
+            </a:fillRef>
+            <a:effectRef idx="0">
+              <a:schemeClr val="accent1"/>
+            </a:effectRef>
+            <a:fontRef idx="minor">
+              <a:schemeClr val="tx1"/>
+            </a:fontRef>
+          </p:style>
+        </p:cxnSp>
+        <p:sp>
+          <p:nvSpPr>
+            <p:cNvPr id="28" name="文本框 27"/>
+            <p:cNvSpPr txBox="1"/>
+            <p:nvPr/>
+          </p:nvSpPr>
+          <p:spPr>
+            <a:xfrm>
+              <a:off x="10896600" y="4850008"/>
+              <a:ext cx="1676400" cy="646331"/>
+            </a:xfrm>
+            <a:prstGeom prst="rect">
+              <a:avLst/>
+            </a:prstGeom>
+            <a:noFill/>
+            <a:ln w="15875">
+              <a:solidFill>
+                <a:schemeClr val="tx1"/>
+              </a:solidFill>
+            </a:ln>
+          </p:spPr>
+          <p:txBody>
+            <a:bodyPr wrap="square" rtlCol="0" anchor="ctr" anchorCtr="1">
+              <a:spAutoFit/>
+            </a:bodyPr>
+            <a:lstStyle/>
+            <a:p>
+              <a:pPr algn="ctr"/>
+              <a:r>
+                <a:rPr lang="en-US" dirty="0" smtClean="0">
+                  <a:latin typeface="Times New Roman" panose="02020603050405020304" pitchFamily="18" charset="0"/>
+                  <a:cs typeface="Times New Roman" panose="02020603050405020304" pitchFamily="18" charset="0"/>
+                </a:rPr>
+                <a:t>Database</a:t>
+              </a:r>
+            </a:p>
+            <a:p>
+              <a:pPr algn="ctr"/>
+              <a:r>
+                <a:rPr lang="en-US" dirty="0" smtClean="0">
+                  <a:latin typeface="Times New Roman" panose="02020603050405020304" pitchFamily="18" charset="0"/>
+                  <a:cs typeface="Times New Roman" panose="02020603050405020304" pitchFamily="18" charset="0"/>
+                </a:rPr>
+                <a:t>Server</a:t>
+              </a:r>
+            </a:p>
+          </p:txBody>
+        </p:sp>
+        <p:cxnSp>
+          <p:nvCxnSpPr>
+            <p:cNvPr id="29" name="直接箭头连接符 28"/>
+            <p:cNvCxnSpPr/>
+            <p:nvPr/>
+          </p:nvCxnSpPr>
+          <p:spPr>
+            <a:xfrm>
+              <a:off x="9677400" y="4991557"/>
+              <a:ext cx="1219200" cy="0"/>
+            </a:xfrm>
+            <a:prstGeom prst="straightConnector1">
+              <a:avLst/>
+            </a:prstGeom>
+            <a:ln w="19050">
+              <a:solidFill>
+                <a:schemeClr val="tx1"/>
+              </a:solidFill>
+              <a:tailEnd type="triangle"/>
+            </a:ln>
+          </p:spPr>
+          <p:style>
+            <a:lnRef idx="1">
+              <a:schemeClr val="accent1"/>
+            </a:lnRef>
+            <a:fillRef idx="0">
+              <a:schemeClr val="accent1"/>
+            </a:fillRef>
+            <a:effectRef idx="0">
+              <a:schemeClr val="accent1"/>
+            </a:effectRef>
+            <a:fontRef idx="minor">
+              <a:schemeClr val="tx1"/>
+            </a:fontRef>
+          </p:style>
+        </p:cxnSp>
+      </p:grpSp>
+      <p:sp>
+        <p:nvSpPr>
+          <p:cNvPr id="16" name="文本框 15"/>
+          <p:cNvSpPr txBox="1"/>
+          <p:nvPr/>
+        </p:nvSpPr>
+        <p:spPr>
+          <a:xfrm>
+            <a:off x="3306418" y="3519528"/>
+            <a:ext cx="4953000" cy="400110"/>
+          </a:xfrm>
+          <a:prstGeom prst="rect">
+            <a:avLst/>
+          </a:prstGeom>
+          <a:noFill/>
+        </p:spPr>
+        <p:txBody>
+          <a:bodyPr wrap="square" rtlCol="0">
+            <a:spAutoFit/>
+          </a:bodyPr>
+          <a:lstStyle/>
+          <a:p>
+            <a:pPr algn="ctr"/>
+            <a:r>
+              <a:rPr lang="en-US" sz="2000" b="1" dirty="0" smtClean="0">
+                <a:latin typeface="Times New Roman" panose="02020603050405020304" pitchFamily="18" charset="0"/>
+                <a:cs typeface="Times New Roman" panose="02020603050405020304" pitchFamily="18" charset="0"/>
+              </a:rPr>
+              <a:t>A Static Web Page</a:t>
+            </a:r>
+            <a:endParaRPr lang="en-US" sz="2000" b="1" dirty="0">
+              <a:latin typeface="Times New Roman" panose="02020603050405020304" pitchFamily="18" charset="0"/>
+              <a:cs typeface="Times New Roman" panose="02020603050405020304" pitchFamily="18" charset="0"/>
+            </a:endParaRPr>
+          </a:p>
+        </p:txBody>
+      </p:sp>
+      <p:sp>
+        <p:nvSpPr>
+          <p:cNvPr id="32" name="文本框 31"/>
+          <p:cNvSpPr txBox="1"/>
+          <p:nvPr/>
+        </p:nvSpPr>
+        <p:spPr>
+          <a:xfrm>
+            <a:off x="3276600" y="6019800"/>
+            <a:ext cx="4953000" cy="400110"/>
+          </a:xfrm>
+          <a:prstGeom prst="rect">
+            <a:avLst/>
+          </a:prstGeom>
+          <a:noFill/>
+        </p:spPr>
+        <p:txBody>
+          <a:bodyPr wrap="square" rtlCol="0">
+            <a:spAutoFit/>
+          </a:bodyPr>
+          <a:lstStyle/>
+          <a:p>
+            <a:pPr algn="ctr"/>
+            <a:r>
+              <a:rPr lang="en-US" sz="2000" b="1" dirty="0" smtClean="0">
+                <a:latin typeface="Times New Roman" panose="02020603050405020304" pitchFamily="18" charset="0"/>
+                <a:cs typeface="Times New Roman" panose="02020603050405020304" pitchFamily="18" charset="0"/>
+              </a:rPr>
+              <a:t>A Dynamic Web Page</a:t>
+            </a:r>
+            <a:endParaRPr lang="en-US" sz="2000" b="1" dirty="0">
+              <a:latin typeface="Times New Roman" panose="02020603050405020304" pitchFamily="18" charset="0"/>
+              <a:cs typeface="Times New Roman" panose="02020603050405020304" pitchFamily="18" charset="0"/>
+            </a:endParaRPr>
           </a:p>
         </p:txBody>
       </p:sp>
@@ -4363,7 +5238,7 @@
       </p:grpSpPr>
       <p:sp>
         <p:nvSpPr>
-          <p:cNvPr id="5122" name="Rectangle 2"/>
+          <p:cNvPr id="3074" name="Rectangle 2"/>
           <p:cNvSpPr>
             <a:spLocks noGrp="1" noChangeArrowheads="1"/>
           </p:cNvSpPr>
@@ -4373,90 +5248,95 @@
         </p:nvSpPr>
         <p:spPr/>
         <p:txBody>
+          <a:bodyPr/>
+          <a:lstStyle/>
+          <a:p>
+            <a:r>
+              <a:rPr lang="en-US" altLang="zh-CN" dirty="0" smtClean="0"/>
+              <a:t>Static and Dynamic Web Pages</a:t>
+            </a:r>
+            <a:endParaRPr lang="en-US" altLang="en-US" dirty="0"/>
+          </a:p>
+        </p:txBody>
+      </p:sp>
+      <p:sp>
+        <p:nvSpPr>
+          <p:cNvPr id="3075" name="Rectangle 3"/>
+          <p:cNvSpPr>
+            <a:spLocks noGrp="1" noChangeArrowheads="1"/>
+          </p:cNvSpPr>
+          <p:nvPr>
+            <p:ph idx="1"/>
+          </p:nvPr>
+        </p:nvSpPr>
+        <p:spPr/>
+        <p:txBody>
           <a:bodyPr>
-            <a:normAutofit/>
+            <a:normAutofit lnSpcReduction="10000"/>
           </a:bodyPr>
           <a:lstStyle/>
           <a:p>
             <a:r>
-              <a:rPr lang="en-US" altLang="en-US" dirty="0" smtClean="0"/>
-              <a:t>DOM Scripting</a:t>
-            </a:r>
-            <a:endParaRPr lang="en-US" altLang="en-US" sz="4400" dirty="0"/>
-          </a:p>
-        </p:txBody>
-      </p:sp>
-      <p:sp>
-        <p:nvSpPr>
-          <p:cNvPr id="5123" name="Rectangle 3"/>
-          <p:cNvSpPr>
-            <a:spLocks noGrp="1" noChangeArrowheads="1"/>
-          </p:cNvSpPr>
-          <p:nvPr>
-            <p:ph idx="1"/>
-          </p:nvPr>
-        </p:nvSpPr>
-        <p:spPr>
-          <a:xfrm>
-            <a:off x="861060" y="1752600"/>
-            <a:ext cx="10515600" cy="4348163"/>
-          </a:xfrm>
-        </p:spPr>
-        <p:txBody>
-          <a:bodyPr>
-            <a:normAutofit fontScale="92500" lnSpcReduction="20000"/>
-          </a:bodyPr>
-          <a:lstStyle/>
-          <a:p>
-            <a:r>
-              <a:rPr lang="en-US" altLang="zh-CN" dirty="0" smtClean="0"/>
-              <a:t>As an HTML page is loaded by the web browser, the DOM (Document Object Model) for that page is created in the browser's memory.</a:t>
-            </a:r>
-          </a:p>
-          <a:p>
-            <a:r>
-              <a:rPr lang="en-US" altLang="zh-CN" dirty="0" smtClean="0"/>
-              <a:t>The DOM is a tree structure that starts with the html element and follows the nesting of the elements down to the text in each element. </a:t>
-            </a:r>
-          </a:p>
-          <a:p>
-            <a:r>
-              <a:rPr lang="en-US" altLang="zh-CN" dirty="0" smtClean="0"/>
-              <a:t>HTML elements are stored in </a:t>
-            </a:r>
-            <a:r>
-              <a:rPr lang="en-US" altLang="zh-CN" i="1" dirty="0" smtClean="0"/>
-              <a:t>element nodes, </a:t>
-            </a:r>
-            <a:r>
-              <a:rPr lang="en-US" altLang="zh-CN" dirty="0" smtClean="0"/>
-              <a:t>and text is stored in </a:t>
-            </a:r>
-            <a:r>
-              <a:rPr lang="en-US" altLang="zh-CN" i="1" dirty="0" smtClean="0"/>
-              <a:t>text nodes</a:t>
-            </a:r>
-            <a:r>
-              <a:rPr lang="en-US" altLang="zh-CN" dirty="0" smtClean="0"/>
-              <a:t>. </a:t>
-            </a:r>
-          </a:p>
-          <a:p>
-            <a:r>
-              <a:rPr lang="en-US" altLang="zh-CN" dirty="0" smtClean="0"/>
-              <a:t>JavaScript can be used to modify the nodes in the DOM. </a:t>
-            </a:r>
-          </a:p>
-          <a:p>
-            <a:r>
-              <a:rPr lang="en-US" altLang="en-US" i="1" dirty="0" smtClean="0"/>
-              <a:t>DOM scripting</a:t>
-            </a:r>
-            <a:r>
-              <a:rPr lang="en-US" altLang="en-US" dirty="0" smtClean="0"/>
-              <a:t> is to modify the contents and appearance of a web page after it has been loaded. </a:t>
-            </a:r>
-            <a:endParaRPr lang="en-US" altLang="en-US" dirty="0"/>
+              <a:rPr lang="en-US" altLang="en-US" sz="2800" dirty="0" smtClean="0"/>
+              <a:t>A </a:t>
+            </a:r>
+            <a:r>
+              <a:rPr lang="en-US" altLang="en-US" sz="2800" i="1" dirty="0" smtClean="0"/>
+              <a:t>static</a:t>
+            </a:r>
+            <a:r>
+              <a:rPr lang="en-US" altLang="en-US" sz="2800" dirty="0" smtClean="0"/>
+              <a:t> web page only changes when the web developer changes it. </a:t>
+            </a:r>
+          </a:p>
+          <a:p>
+            <a:r>
+              <a:rPr lang="en-US" altLang="en-US" sz="2800" dirty="0" smtClean="0"/>
+              <a:t>A </a:t>
+            </a:r>
+            <a:r>
+              <a:rPr lang="en-US" altLang="en-US" sz="2800" i="1" dirty="0" smtClean="0"/>
+              <a:t>dynamic </a:t>
+            </a:r>
+            <a:r>
+              <a:rPr lang="en-US" altLang="en-US" sz="2800" dirty="0" smtClean="0"/>
+              <a:t>web page is created by a program or script on the web server each time it is created. </a:t>
+            </a:r>
+          </a:p>
+          <a:p>
+            <a:r>
+              <a:rPr lang="en-US" altLang="en-US" sz="2800" dirty="0" smtClean="0"/>
+              <a:t>JSP, PHP, Perl and Python are examples of </a:t>
+            </a:r>
+            <a:r>
+              <a:rPr lang="en-US" altLang="en-US" sz="2800" i="1" dirty="0" smtClean="0"/>
+              <a:t>server-side</a:t>
+            </a:r>
+            <a:r>
+              <a:rPr lang="en-US" altLang="en-US" sz="2800" dirty="0" smtClean="0"/>
+              <a:t> scripting languages.  </a:t>
+            </a:r>
+          </a:p>
+          <a:p>
+            <a:r>
+              <a:rPr lang="en-US" altLang="en-US" sz="2800" dirty="0" smtClean="0"/>
+              <a:t>JavaScript is a scripting language that provides </a:t>
+            </a:r>
+            <a:r>
+              <a:rPr lang="en-US" altLang="en-US" sz="2800" i="1" dirty="0" smtClean="0"/>
+              <a:t>client-side </a:t>
+            </a:r>
+            <a:r>
+              <a:rPr lang="en-US" altLang="en-US" sz="2800" dirty="0" smtClean="0"/>
+              <a:t>processing. </a:t>
+            </a:r>
+          </a:p>
+          <a:p>
+            <a:r>
+              <a:rPr lang="en-US" altLang="en-US" sz="2800" dirty="0" smtClean="0"/>
+              <a:t>The JavaScript code is executed by the web browser's JavaScript engine. </a:t>
+            </a:r>
+            <a:endParaRPr lang="en-US" altLang="en-US" sz="2800" dirty="0"/>
           </a:p>
         </p:txBody>
       </p:sp>
@@ -4475,8 +5355,8 @@
           <a:bodyPr/>
           <a:lstStyle/>
           <a:p>
-            <a:fld id="{68174C96-B78C-45C5-9D7A-D140C151B975}" type="slidenum">
-              <a:rPr lang="en-US" altLang="en-US"/>
+            <a:fld id="{657EC180-B97A-4DDB-836E-DAA296AA995E}" type="slidenum">
+              <a:rPr lang="en-US" altLang="en-US" smtClean="0"/>
               <a:pPr/>
               <a:t>3</a:t>
             </a:fld>
@@ -4487,7 +5367,7 @@
     </p:spTree>
     <p:extLst>
       <p:ext uri="{BB962C8B-B14F-4D97-AF65-F5344CB8AC3E}">
-        <p14:creationId xmlns:p14="http://schemas.microsoft.com/office/powerpoint/2010/main" val="682975760"/>
+        <p14:creationId xmlns:p14="http://schemas.microsoft.com/office/powerpoint/2010/main" val="3130328767"/>
       </p:ext>
     </p:extLst>
   </p:cSld>
@@ -4539,8 +5419,8 @@
           <a:lstStyle/>
           <a:p>
             <a:r>
-              <a:rPr lang="en-US" altLang="zh-CN" dirty="0" smtClean="0"/>
-              <a:t>DOM Scripting Methods and Properties</a:t>
+              <a:rPr lang="en-US" altLang="en-US" dirty="0" smtClean="0"/>
+              <a:t>DOM Scripting</a:t>
             </a:r>
             <a:endParaRPr lang="en-US" altLang="en-US" sz="4400" dirty="0"/>
           </a:p>
@@ -4564,346 +5444,59 @@
         </p:spPr>
         <p:txBody>
           <a:bodyPr>
-            <a:normAutofit fontScale="25000" lnSpcReduction="20000"/>
+            <a:normAutofit fontScale="92500" lnSpcReduction="20000"/>
           </a:bodyPr>
           <a:lstStyle/>
           <a:p>
             <a:r>
-              <a:rPr lang="en-US" altLang="zh-CN" sz="6200" dirty="0" smtClean="0"/>
-              <a:t>"Get" Methods: </a:t>
-            </a:r>
-          </a:p>
-          <a:p>
-            <a:pPr lvl="1"/>
-            <a:r>
-              <a:rPr lang="en-US" altLang="zh-CN" sz="6200" dirty="0" err="1" smtClean="0"/>
-              <a:t>getElementById</a:t>
-            </a:r>
-            <a:r>
-              <a:rPr lang="en-US" altLang="zh-CN" sz="6200" dirty="0" smtClean="0"/>
-              <a:t>(id)</a:t>
-            </a:r>
-          </a:p>
-          <a:p>
-            <a:pPr marL="0" indent="0">
-              <a:buNone/>
-            </a:pPr>
-            <a:r>
-              <a:rPr lang="en-US" altLang="zh-CN" dirty="0"/>
-              <a:t> </a:t>
-            </a:r>
-            <a:r>
               <a:rPr lang="en-US" altLang="zh-CN" dirty="0" smtClean="0"/>
-              <a:t> </a:t>
-            </a:r>
-            <a:r>
-              <a:rPr lang="en-US" altLang="zh-CN" sz="4200" dirty="0" err="1" smtClean="0"/>
-              <a:t>var</a:t>
-            </a:r>
-            <a:r>
-              <a:rPr lang="en-US" altLang="zh-CN" sz="4200" dirty="0" smtClean="0"/>
-              <a:t> </a:t>
-            </a:r>
-            <a:r>
-              <a:rPr lang="en-US" altLang="zh-CN" sz="4200" dirty="0" err="1" smtClean="0"/>
-              <a:t>rateBox</a:t>
-            </a:r>
-            <a:r>
-              <a:rPr lang="en-US" altLang="zh-CN" sz="4200" dirty="0" smtClean="0"/>
-              <a:t> = </a:t>
-            </a:r>
-            <a:r>
-              <a:rPr lang="en-US" altLang="zh-CN" sz="4200" dirty="0" err="1" smtClean="0"/>
-              <a:t>document.getElementById</a:t>
-            </a:r>
-            <a:r>
-              <a:rPr lang="en-US" altLang="zh-CN" sz="4200" dirty="0" smtClean="0"/>
-              <a:t>("rate");</a:t>
-            </a:r>
-          </a:p>
-          <a:p>
-            <a:pPr lvl="1"/>
-            <a:r>
-              <a:rPr lang="en-US" altLang="zh-CN" sz="6200" dirty="0" err="1" smtClean="0"/>
-              <a:t>getElementByClassName</a:t>
-            </a:r>
-            <a:r>
-              <a:rPr lang="en-US" altLang="zh-CN" sz="6200" dirty="0" smtClean="0"/>
-              <a:t>(</a:t>
-            </a:r>
-            <a:r>
-              <a:rPr lang="en-US" altLang="zh-CN" sz="6200" dirty="0" err="1" smtClean="0"/>
-              <a:t>classname</a:t>
-            </a:r>
-            <a:r>
-              <a:rPr lang="en-US" altLang="zh-CN" sz="6200" dirty="0" smtClean="0"/>
-              <a:t>)</a:t>
-            </a:r>
-            <a:endParaRPr lang="en-US" altLang="zh-CN" sz="6200" dirty="0"/>
-          </a:p>
-          <a:p>
-            <a:pPr marL="0" indent="0">
-              <a:buNone/>
-            </a:pPr>
-            <a:r>
-              <a:rPr lang="en-US" altLang="zh-CN" dirty="0"/>
-              <a:t>  </a:t>
-            </a:r>
-            <a:r>
-              <a:rPr lang="en-US" altLang="zh-CN" sz="4200" dirty="0" err="1"/>
-              <a:t>var</a:t>
-            </a:r>
-            <a:r>
-              <a:rPr lang="en-US" altLang="zh-CN" sz="4200" dirty="0"/>
-              <a:t> </a:t>
-            </a:r>
-            <a:r>
-              <a:rPr lang="en-US" altLang="zh-CN" sz="4200" dirty="0" err="1" smtClean="0"/>
-              <a:t>blueclass</a:t>
-            </a:r>
-            <a:r>
-              <a:rPr lang="en-US" altLang="zh-CN" sz="4200" dirty="0" smtClean="0"/>
-              <a:t>= </a:t>
-            </a:r>
-            <a:r>
-              <a:rPr lang="en-US" altLang="zh-CN" sz="4200" dirty="0" err="1" smtClean="0"/>
-              <a:t>document.getElementByClassName</a:t>
-            </a:r>
-            <a:r>
-              <a:rPr lang="en-US" altLang="zh-CN" sz="4200" dirty="0" smtClean="0"/>
-              <a:t>("blue");</a:t>
-            </a:r>
-          </a:p>
-          <a:p>
-            <a:pPr marL="0" indent="0">
-              <a:buNone/>
-            </a:pPr>
-            <a:r>
-              <a:rPr lang="en-US" altLang="zh-CN" sz="4200" dirty="0" smtClean="0"/>
-              <a:t> </a:t>
-            </a:r>
-            <a:r>
-              <a:rPr lang="en-US" altLang="zh-CN" sz="4200" dirty="0" smtClean="0"/>
-              <a:t> </a:t>
-            </a:r>
-            <a:r>
-              <a:rPr lang="en-US" altLang="zh-CN" sz="4200" dirty="0" err="1" smtClean="0"/>
-              <a:t>var</a:t>
-            </a:r>
-            <a:r>
-              <a:rPr lang="en-US" altLang="zh-CN" sz="4200" dirty="0" smtClean="0"/>
-              <a:t> </a:t>
-            </a:r>
-            <a:r>
-              <a:rPr lang="en-US" altLang="zh-CN" sz="4200" dirty="0" err="1" smtClean="0"/>
-              <a:t>firstelement</a:t>
-            </a:r>
-            <a:r>
-              <a:rPr lang="en-US" altLang="zh-CN" sz="4200" dirty="0" smtClean="0"/>
-              <a:t> = </a:t>
-            </a:r>
-            <a:r>
-              <a:rPr lang="en-US" altLang="zh-CN" sz="4200" dirty="0" err="1" smtClean="0"/>
-              <a:t>blueclass</a:t>
-            </a:r>
-            <a:r>
-              <a:rPr lang="en-US" altLang="zh-CN" sz="4200" dirty="0" smtClean="0"/>
-              <a:t>[0];</a:t>
-            </a:r>
-            <a:endParaRPr lang="en-US" altLang="zh-CN" sz="4200" dirty="0"/>
-          </a:p>
-          <a:p>
-            <a:pPr lvl="1"/>
-            <a:r>
-              <a:rPr lang="en-US" altLang="zh-CN" sz="6200" dirty="0" err="1" smtClean="0"/>
-              <a:t>getElementByTagName</a:t>
-            </a:r>
-            <a:r>
-              <a:rPr lang="en-US" altLang="zh-CN" sz="6200" dirty="0" smtClean="0"/>
-              <a:t>(tag)</a:t>
-            </a:r>
-            <a:endParaRPr lang="en-US" altLang="zh-CN" sz="6200" dirty="0"/>
-          </a:p>
-          <a:p>
-            <a:pPr marL="0" indent="0">
-              <a:buNone/>
-            </a:pPr>
-            <a:r>
-              <a:rPr lang="en-US" altLang="zh-CN" sz="5000" dirty="0"/>
-              <a:t>  </a:t>
-            </a:r>
-            <a:r>
-              <a:rPr lang="en-US" altLang="zh-CN" sz="5000" dirty="0" err="1"/>
-              <a:t>var</a:t>
-            </a:r>
-            <a:r>
-              <a:rPr lang="en-US" altLang="zh-CN" sz="5000" dirty="0"/>
-              <a:t> </a:t>
-            </a:r>
-            <a:r>
-              <a:rPr lang="en-US" altLang="zh-CN" sz="5000" dirty="0" smtClean="0"/>
-              <a:t>paragraphs </a:t>
-            </a:r>
-            <a:r>
-              <a:rPr lang="en-US" altLang="zh-CN" sz="5000" dirty="0"/>
-              <a:t>= </a:t>
-            </a:r>
-            <a:r>
-              <a:rPr lang="en-US" altLang="zh-CN" sz="5000" dirty="0" err="1" smtClean="0"/>
-              <a:t>document.getElementByTagName</a:t>
-            </a:r>
-            <a:r>
-              <a:rPr lang="en-US" altLang="zh-CN" sz="5000" dirty="0" smtClean="0"/>
-              <a:t>("p");</a:t>
-            </a:r>
-            <a:endParaRPr lang="en-US" altLang="zh-CN" sz="5000" dirty="0"/>
-          </a:p>
-          <a:p>
-            <a:r>
-              <a:rPr lang="en-US" altLang="zh-CN" sz="6200" dirty="0" smtClean="0"/>
-              <a:t>Properties</a:t>
-            </a:r>
-          </a:p>
-          <a:p>
-            <a:pPr lvl="1"/>
-            <a:r>
-              <a:rPr lang="en-US" altLang="zh-CN" sz="8000" dirty="0" smtClean="0"/>
-              <a:t>value</a:t>
-            </a:r>
-            <a:endParaRPr lang="en-US" altLang="zh-CN" sz="8000" dirty="0"/>
-          </a:p>
-          <a:p>
-            <a:pPr marL="0" indent="0">
-              <a:buNone/>
-            </a:pPr>
-            <a:r>
-              <a:rPr lang="en-US" altLang="zh-CN" sz="5000" dirty="0"/>
-              <a:t>  </a:t>
-            </a:r>
-            <a:r>
-              <a:rPr lang="en-US" altLang="zh-CN" sz="5000" dirty="0" err="1" smtClean="0"/>
-              <a:t>var</a:t>
-            </a:r>
-            <a:r>
-              <a:rPr lang="en-US" altLang="zh-CN" sz="5000" dirty="0" smtClean="0"/>
-              <a:t> email = </a:t>
-            </a:r>
-            <a:r>
-              <a:rPr lang="en-US" altLang="zh-CN" sz="5000" dirty="0" err="1" smtClean="0"/>
-              <a:t>document.getElementById</a:t>
-            </a:r>
-            <a:r>
-              <a:rPr lang="en-US" altLang="zh-CN" sz="5000" dirty="0" smtClean="0"/>
-              <a:t>("email").value;</a:t>
-            </a:r>
-          </a:p>
-          <a:p>
-            <a:pPr lvl="1"/>
-            <a:r>
-              <a:rPr lang="en-US" altLang="zh-CN" sz="8000" dirty="0" err="1" smtClean="0"/>
-              <a:t>textContent</a:t>
-            </a:r>
-            <a:endParaRPr lang="en-US" altLang="zh-CN" sz="8000" dirty="0"/>
-          </a:p>
-          <a:p>
-            <a:pPr marL="0" lvl="1" indent="0">
-              <a:buNone/>
-            </a:pPr>
-            <a:r>
-              <a:rPr lang="en-US" altLang="zh-CN" sz="5000" dirty="0" smtClean="0"/>
-              <a:t>   </a:t>
-            </a:r>
-            <a:r>
-              <a:rPr lang="en-US" altLang="zh-CN" sz="5000" dirty="0" err="1" smtClean="0"/>
-              <a:t>var</a:t>
-            </a:r>
-            <a:r>
-              <a:rPr lang="en-US" altLang="zh-CN" sz="5000" dirty="0" smtClean="0"/>
-              <a:t> p1 </a:t>
-            </a:r>
-            <a:r>
-              <a:rPr lang="en-US" altLang="zh-CN" sz="5000" dirty="0"/>
-              <a:t>= </a:t>
-            </a:r>
-            <a:r>
-              <a:rPr lang="en-US" altLang="zh-CN" sz="5000" dirty="0" err="1" smtClean="0"/>
-              <a:t>document.getElementByTagName</a:t>
-            </a:r>
-            <a:r>
-              <a:rPr lang="en-US" altLang="zh-CN" sz="5000" dirty="0" smtClean="0"/>
-              <a:t>("p")[0];</a:t>
-            </a:r>
-          </a:p>
-          <a:p>
-            <a:pPr marL="0" lvl="1" indent="0">
-              <a:buNone/>
-            </a:pPr>
-            <a:r>
-              <a:rPr lang="en-US" altLang="zh-CN" sz="5000" dirty="0"/>
-              <a:t> </a:t>
-            </a:r>
-            <a:r>
-              <a:rPr lang="en-US" altLang="zh-CN" sz="5000" dirty="0" smtClean="0"/>
-              <a:t>  p1.textContent = "This paragraph was created dynamically!";</a:t>
-            </a:r>
-            <a:endParaRPr lang="en-US" altLang="zh-CN" sz="5000" dirty="0"/>
-          </a:p>
-          <a:p>
-            <a:pPr lvl="1"/>
-            <a:r>
-              <a:rPr lang="en-US" altLang="zh-CN" sz="8000" dirty="0" err="1" smtClean="0"/>
-              <a:t>innerHTML</a:t>
-            </a:r>
-            <a:endParaRPr lang="en-US" altLang="zh-CN" sz="8000" dirty="0"/>
-          </a:p>
-          <a:p>
-            <a:pPr marL="0" lvl="1" indent="0">
-              <a:spcBef>
-                <a:spcPts val="1000"/>
-              </a:spcBef>
-              <a:buNone/>
-            </a:pPr>
-            <a:r>
-              <a:rPr lang="en-US" altLang="zh-CN" sz="5000" dirty="0" smtClean="0"/>
-              <a:t>  p1.innerHTML </a:t>
-            </a:r>
-            <a:r>
-              <a:rPr lang="en-US" altLang="zh-CN" sz="5000" dirty="0"/>
-              <a:t>= </a:t>
-            </a:r>
-            <a:r>
-              <a:rPr lang="en-US" altLang="zh-CN" sz="5000" dirty="0" smtClean="0"/>
-              <a:t>"This is a &lt;</a:t>
-            </a:r>
-            <a:r>
-              <a:rPr lang="en-US" altLang="zh-CN" sz="5000" dirty="0" err="1" smtClean="0"/>
-              <a:t>i</a:t>
-            </a:r>
-            <a:r>
-              <a:rPr lang="en-US" altLang="zh-CN" sz="5000" dirty="0" smtClean="0"/>
-              <a:t>&gt; simple&lt;/</a:t>
-            </a:r>
-            <a:r>
-              <a:rPr lang="en-US" altLang="zh-CN" sz="5000" dirty="0" err="1" smtClean="0"/>
-              <a:t>i</a:t>
-            </a:r>
-            <a:r>
-              <a:rPr lang="en-US" altLang="zh-CN" sz="5000" dirty="0" smtClean="0"/>
-              <a:t>&gt; HTML file.";</a:t>
-            </a:r>
-            <a:endParaRPr lang="en-US" altLang="zh-CN" sz="5000" dirty="0"/>
-          </a:p>
-          <a:p>
-            <a:pPr marL="0" indent="0">
-              <a:buNone/>
-            </a:pPr>
-            <a:endParaRPr lang="en-US" altLang="zh-CN" sz="5000" dirty="0"/>
-          </a:p>
-          <a:p>
-            <a:pPr marL="0" indent="0">
-              <a:buNone/>
-            </a:pPr>
-            <a:endParaRPr lang="en-US" altLang="zh-CN" dirty="0" smtClean="0"/>
+              <a:t>As an HTML page is loaded by the web browser, the DOM (Document Object Model) for that page is created in the browser's memory.</a:t>
+            </a:r>
+          </a:p>
+          <a:p>
+            <a:r>
+              <a:rPr lang="en-US" altLang="zh-CN" dirty="0" smtClean="0"/>
+              <a:t>The DOM is a tree structure that starts with the html element and follows the nesting of the elements down to the text in each element. </a:t>
+            </a:r>
+          </a:p>
+          <a:p>
+            <a:r>
+              <a:rPr lang="en-US" altLang="zh-CN" dirty="0" smtClean="0"/>
+              <a:t>HTML elements are stored in </a:t>
+            </a:r>
+            <a:r>
+              <a:rPr lang="en-US" altLang="zh-CN" i="1" dirty="0" smtClean="0"/>
+              <a:t>element nodes, </a:t>
+            </a:r>
+            <a:r>
+              <a:rPr lang="en-US" altLang="zh-CN" dirty="0" smtClean="0"/>
+              <a:t>and text is stored in </a:t>
+            </a:r>
+            <a:r>
+              <a:rPr lang="en-US" altLang="zh-CN" i="1" dirty="0" smtClean="0"/>
+              <a:t>text nodes</a:t>
+            </a:r>
+            <a:r>
+              <a:rPr lang="en-US" altLang="zh-CN" dirty="0" smtClean="0"/>
+              <a:t>. </a:t>
+            </a:r>
+          </a:p>
+          <a:p>
+            <a:r>
+              <a:rPr lang="en-US" altLang="zh-CN" dirty="0" smtClean="0"/>
+              <a:t>JavaScript can be used to modify the nodes in the DOM. </a:t>
+            </a:r>
+          </a:p>
+          <a:p>
+            <a:r>
+              <a:rPr lang="en-US" altLang="en-US" i="1" dirty="0" smtClean="0"/>
+              <a:t>DOM scripting</a:t>
+            </a:r>
+            <a:r>
+              <a:rPr lang="en-US" altLang="en-US" dirty="0" smtClean="0"/>
+              <a:t> is to modify the contents and appearance of a web page after it has been loaded. </a:t>
+            </a:r>
+            <a:endParaRPr lang="en-US" altLang="en-US" dirty="0"/>
           </a:p>
         </p:txBody>
       </p:sp>
@@ -4934,7 +5527,7 @@
     </p:spTree>
     <p:extLst>
       <p:ext uri="{BB962C8B-B14F-4D97-AF65-F5344CB8AC3E}">
-        <p14:creationId xmlns:p14="http://schemas.microsoft.com/office/powerpoint/2010/main" val="990847697"/>
+        <p14:creationId xmlns:p14="http://schemas.microsoft.com/office/powerpoint/2010/main" val="682975760"/>
       </p:ext>
     </p:extLst>
   </p:cSld>
@@ -4987,7 +5580,7 @@
           <a:p>
             <a:r>
               <a:rPr lang="en-US" altLang="zh-CN" dirty="0" smtClean="0"/>
-              <a:t>CSS Selectors in JavaScript</a:t>
+              <a:t>DOM Scripting Methods and Properties</a:t>
             </a:r>
             <a:endParaRPr lang="en-US" altLang="en-US" sz="4400" dirty="0"/>
           </a:p>
@@ -5011,119 +5604,340 @@
         </p:spPr>
         <p:txBody>
           <a:bodyPr>
-            <a:normAutofit/>
+            <a:normAutofit fontScale="25000" lnSpcReduction="20000"/>
           </a:bodyPr>
           <a:lstStyle/>
           <a:p>
             <a:r>
-              <a:rPr lang="en-US" altLang="zh-CN" sz="2400" dirty="0" err="1" smtClean="0"/>
-              <a:t>querySelector</a:t>
-            </a:r>
-            <a:r>
-              <a:rPr lang="en-US" altLang="zh-CN" sz="2400" dirty="0" smtClean="0"/>
-              <a:t> (selector) </a:t>
-            </a:r>
-            <a:endParaRPr lang="en-US" altLang="zh-CN" sz="2400" dirty="0" smtClean="0"/>
+              <a:rPr lang="en-US" altLang="zh-CN" sz="9600" dirty="0" smtClean="0"/>
+              <a:t>"Get" Methods: </a:t>
+            </a:r>
+          </a:p>
+          <a:p>
+            <a:pPr lvl="1"/>
+            <a:r>
+              <a:rPr lang="en-US" altLang="zh-CN" sz="6200" dirty="0" err="1" smtClean="0"/>
+              <a:t>getElementById</a:t>
+            </a:r>
+            <a:r>
+              <a:rPr lang="en-US" altLang="zh-CN" sz="6200" dirty="0" smtClean="0"/>
+              <a:t>(id)</a:t>
+            </a:r>
           </a:p>
           <a:p>
             <a:pPr marL="0" indent="0">
               <a:buNone/>
             </a:pPr>
             <a:r>
-              <a:rPr lang="en-US" altLang="zh-CN" sz="2000" dirty="0"/>
+              <a:rPr lang="en-US" altLang="zh-CN" dirty="0"/>
               <a:t> </a:t>
             </a:r>
             <a:r>
-              <a:rPr lang="en-US" altLang="zh-CN" sz="2000" dirty="0" smtClean="0"/>
+              <a:rPr lang="en-US" altLang="zh-CN" dirty="0" smtClean="0"/>
               <a:t> </a:t>
             </a:r>
             <a:r>
-              <a:rPr lang="en-US" altLang="zh-CN" sz="2000" dirty="0" err="1" smtClean="0"/>
+              <a:rPr lang="en-US" altLang="zh-CN" sz="4200" dirty="0" err="1" smtClean="0"/>
               <a:t>var</a:t>
             </a:r>
             <a:r>
-              <a:rPr lang="en-US" altLang="zh-CN" sz="2000" dirty="0" smtClean="0"/>
+              <a:rPr lang="en-US" altLang="zh-CN" sz="4200" dirty="0" smtClean="0"/>
               <a:t> </a:t>
             </a:r>
             <a:r>
-              <a:rPr lang="en-US" altLang="zh-CN" sz="2000" dirty="0" smtClean="0"/>
-              <a:t>.callout </a:t>
-            </a:r>
-            <a:r>
-              <a:rPr lang="en-US" altLang="zh-CN" sz="2000" dirty="0" smtClean="0"/>
+              <a:rPr lang="en-US" altLang="zh-CN" sz="4200" dirty="0" err="1" smtClean="0"/>
+              <a:t>rateBox</a:t>
+            </a:r>
+            <a:r>
+              <a:rPr lang="en-US" altLang="zh-CN" sz="4200" dirty="0" smtClean="0"/>
+              <a:t> = </a:t>
+            </a:r>
+            <a:r>
+              <a:rPr lang="en-US" altLang="zh-CN" sz="4200" dirty="0" err="1" smtClean="0"/>
+              <a:t>document.getElementById</a:t>
+            </a:r>
+            <a:r>
+              <a:rPr lang="en-US" altLang="zh-CN" sz="4200" dirty="0" smtClean="0"/>
+              <a:t>("rate");</a:t>
+            </a:r>
+          </a:p>
+          <a:p>
+            <a:pPr lvl="1"/>
+            <a:r>
+              <a:rPr lang="en-US" altLang="zh-CN" sz="6200" dirty="0" err="1" smtClean="0"/>
+              <a:t>getElementsByClassName</a:t>
+            </a:r>
+            <a:r>
+              <a:rPr lang="en-US" altLang="zh-CN" sz="6200" dirty="0" smtClean="0"/>
+              <a:t>(</a:t>
+            </a:r>
+            <a:r>
+              <a:rPr lang="en-US" altLang="zh-CN" sz="6200" dirty="0" err="1" smtClean="0"/>
+              <a:t>classname</a:t>
+            </a:r>
+            <a:r>
+              <a:rPr lang="en-US" altLang="zh-CN" sz="6200" dirty="0" smtClean="0"/>
+              <a:t>)</a:t>
+            </a:r>
+            <a:endParaRPr lang="en-US" altLang="zh-CN" sz="6200" dirty="0"/>
+          </a:p>
+          <a:p>
+            <a:pPr marL="0" indent="0">
+              <a:buNone/>
+            </a:pPr>
+            <a:r>
+              <a:rPr lang="en-US" altLang="zh-CN" dirty="0"/>
+              <a:t>  </a:t>
+            </a:r>
+            <a:r>
+              <a:rPr lang="en-US" altLang="zh-CN" sz="4200" dirty="0" err="1"/>
+              <a:t>var</a:t>
+            </a:r>
+            <a:r>
+              <a:rPr lang="en-US" altLang="zh-CN" sz="4200" dirty="0"/>
+              <a:t> </a:t>
+            </a:r>
+            <a:r>
+              <a:rPr lang="en-US" altLang="zh-CN" sz="4200" dirty="0" err="1" smtClean="0"/>
+              <a:t>blueclass</a:t>
+            </a:r>
+            <a:r>
+              <a:rPr lang="en-US" altLang="zh-CN" sz="4200" dirty="0" smtClean="0"/>
               <a:t>= </a:t>
             </a:r>
             <a:r>
-              <a:rPr lang="en-US" altLang="zh-CN" sz="2000" dirty="0" err="1" smtClean="0"/>
-              <a:t>document.querySelector</a:t>
-            </a:r>
-            <a:r>
-              <a:rPr lang="en-US" altLang="zh-CN" sz="2000" dirty="0" smtClean="0"/>
-              <a:t>(".callout");</a:t>
-            </a:r>
+              <a:rPr lang="en-US" altLang="zh-CN" sz="4200" dirty="0" err="1" smtClean="0"/>
+              <a:t>document.getElementsByClassName</a:t>
+            </a:r>
+            <a:r>
+              <a:rPr lang="en-US" altLang="zh-CN" sz="4200" dirty="0" smtClean="0"/>
+              <a:t>("blue");</a:t>
+            </a:r>
+          </a:p>
+          <a:p>
+            <a:pPr marL="0" indent="0">
+              <a:buNone/>
+            </a:pPr>
+            <a:r>
+              <a:rPr lang="en-US" altLang="zh-CN" sz="4200" dirty="0" smtClean="0"/>
+              <a:t>  </a:t>
+            </a:r>
+            <a:r>
+              <a:rPr lang="en-US" altLang="zh-CN" sz="4200" dirty="0" err="1" smtClean="0"/>
+              <a:t>var</a:t>
+            </a:r>
+            <a:r>
+              <a:rPr lang="en-US" altLang="zh-CN" sz="4200" dirty="0" smtClean="0"/>
+              <a:t> </a:t>
+            </a:r>
+            <a:r>
+              <a:rPr lang="en-US" altLang="zh-CN" sz="4200" dirty="0" err="1" smtClean="0"/>
+              <a:t>firstelement</a:t>
+            </a:r>
+            <a:r>
+              <a:rPr lang="en-US" altLang="zh-CN" sz="4200" dirty="0" smtClean="0"/>
+              <a:t> = </a:t>
+            </a:r>
+            <a:r>
+              <a:rPr lang="en-US" altLang="zh-CN" sz="4200" dirty="0" err="1" smtClean="0"/>
+              <a:t>blueclass</a:t>
+            </a:r>
+            <a:r>
+              <a:rPr lang="en-US" altLang="zh-CN" sz="4200" dirty="0" smtClean="0"/>
+              <a:t>[0];</a:t>
+            </a:r>
+            <a:endParaRPr lang="en-US" altLang="zh-CN" sz="4200" dirty="0"/>
+          </a:p>
+          <a:p>
+            <a:pPr lvl="1"/>
+            <a:r>
+              <a:rPr lang="en-US" altLang="zh-CN" sz="6200" dirty="0" err="1" smtClean="0"/>
+              <a:t>getElementsByTagName</a:t>
+            </a:r>
+            <a:r>
+              <a:rPr lang="en-US" altLang="zh-CN" sz="6200" dirty="0" smtClean="0"/>
+              <a:t>(tag</a:t>
+            </a:r>
+            <a:r>
+              <a:rPr lang="en-US" altLang="zh-CN" sz="6200" dirty="0" smtClean="0"/>
+              <a:t>)</a:t>
+            </a:r>
+            <a:endParaRPr lang="en-US" altLang="zh-CN" sz="6200" dirty="0"/>
+          </a:p>
+          <a:p>
+            <a:pPr marL="0" indent="0">
+              <a:buNone/>
+            </a:pPr>
+            <a:r>
+              <a:rPr lang="en-US" altLang="zh-CN" sz="5000" dirty="0"/>
+              <a:t>  </a:t>
+            </a:r>
+            <a:r>
+              <a:rPr lang="en-US" altLang="zh-CN" sz="5000" dirty="0" err="1"/>
+              <a:t>var</a:t>
+            </a:r>
+            <a:r>
+              <a:rPr lang="en-US" altLang="zh-CN" sz="5000" dirty="0"/>
+              <a:t> </a:t>
+            </a:r>
+            <a:r>
+              <a:rPr lang="en-US" altLang="zh-CN" sz="5000" dirty="0" smtClean="0"/>
+              <a:t>paragraphs </a:t>
+            </a:r>
+            <a:r>
+              <a:rPr lang="en-US" altLang="zh-CN" sz="5000" dirty="0"/>
+              <a:t>= </a:t>
+            </a:r>
+            <a:r>
+              <a:rPr lang="en-US" altLang="zh-CN" sz="5000" dirty="0" err="1" smtClean="0"/>
+              <a:t>document.getElementsByTagName</a:t>
+            </a:r>
+            <a:r>
+              <a:rPr lang="en-US" altLang="zh-CN" sz="5000" dirty="0" smtClean="0"/>
+              <a:t>("p");</a:t>
+            </a:r>
+            <a:endParaRPr lang="en-US" altLang="zh-CN" sz="5000" dirty="0"/>
+          </a:p>
+          <a:p>
+            <a:r>
+              <a:rPr lang="en-US" altLang="zh-CN" sz="9600" dirty="0" smtClean="0"/>
+              <a:t>Properties</a:t>
+            </a:r>
+          </a:p>
+          <a:p>
+            <a:pPr lvl="1"/>
+            <a:r>
+              <a:rPr lang="en-US" altLang="zh-CN" sz="7200" dirty="0" smtClean="0"/>
+              <a:t>value</a:t>
+            </a:r>
+            <a:endParaRPr lang="en-US" altLang="zh-CN" sz="7200" dirty="0"/>
+          </a:p>
+          <a:p>
+            <a:pPr marL="0" indent="0">
+              <a:buNone/>
+            </a:pPr>
+            <a:r>
+              <a:rPr lang="en-US" altLang="zh-CN" sz="5000" dirty="0"/>
+              <a:t>  </a:t>
+            </a:r>
+            <a:r>
+              <a:rPr lang="en-US" altLang="zh-CN" sz="5000" dirty="0" err="1" smtClean="0"/>
+              <a:t>var</a:t>
+            </a:r>
+            <a:r>
+              <a:rPr lang="en-US" altLang="zh-CN" sz="5000" dirty="0" smtClean="0"/>
+              <a:t> email = </a:t>
+            </a:r>
+            <a:r>
+              <a:rPr lang="en-US" altLang="zh-CN" sz="5000" dirty="0" err="1" smtClean="0"/>
+              <a:t>document.getElementById</a:t>
+            </a:r>
+            <a:r>
+              <a:rPr lang="en-US" altLang="zh-CN" sz="5000" dirty="0" smtClean="0"/>
+              <a:t>("email").value;</a:t>
+            </a:r>
+          </a:p>
+          <a:p>
+            <a:pPr lvl="1"/>
+            <a:r>
+              <a:rPr lang="en-US" altLang="zh-CN" sz="7200" dirty="0" err="1" smtClean="0"/>
+              <a:t>textContent</a:t>
+            </a:r>
+            <a:endParaRPr lang="en-US" altLang="zh-CN" sz="7200" dirty="0"/>
+          </a:p>
+          <a:p>
+            <a:pPr marL="0" lvl="1" indent="0">
+              <a:buNone/>
+            </a:pPr>
+            <a:r>
+              <a:rPr lang="en-US" altLang="zh-CN" sz="5000" dirty="0" smtClean="0"/>
+              <a:t>   </a:t>
+            </a:r>
+            <a:r>
+              <a:rPr lang="en-US" altLang="zh-CN" sz="5000" dirty="0" err="1" smtClean="0"/>
+              <a:t>var</a:t>
+            </a:r>
+            <a:r>
+              <a:rPr lang="en-US" altLang="zh-CN" sz="5000" dirty="0" smtClean="0"/>
+              <a:t> p1 </a:t>
+            </a:r>
+            <a:r>
+              <a:rPr lang="en-US" altLang="zh-CN" sz="5000" dirty="0"/>
+              <a:t>= </a:t>
+            </a:r>
+            <a:r>
+              <a:rPr lang="en-US" altLang="zh-CN" sz="5000" dirty="0" err="1" smtClean="0"/>
+              <a:t>document.getElementsByTagName</a:t>
+            </a:r>
+            <a:r>
+              <a:rPr lang="en-US" altLang="zh-CN" sz="5000" dirty="0" smtClean="0"/>
+              <a:t>("p")[0];</a:t>
+            </a:r>
+          </a:p>
+          <a:p>
+            <a:pPr marL="0" lvl="1" indent="0">
+              <a:buNone/>
+            </a:pPr>
+            <a:r>
+              <a:rPr lang="en-US" altLang="zh-CN" sz="5000" dirty="0"/>
+              <a:t> </a:t>
+            </a:r>
+            <a:r>
+              <a:rPr lang="en-US" altLang="zh-CN" sz="5000" dirty="0" smtClean="0"/>
+              <a:t>  p1.textContent = "This paragraph was created dynamically!";</a:t>
+            </a:r>
+            <a:endParaRPr lang="en-US" altLang="zh-CN" sz="5000" dirty="0"/>
+          </a:p>
+          <a:p>
+            <a:pPr lvl="1"/>
+            <a:r>
+              <a:rPr lang="en-US" altLang="zh-CN" sz="7200" dirty="0" err="1" smtClean="0"/>
+              <a:t>innerHTML</a:t>
+            </a:r>
+            <a:endParaRPr lang="en-US" altLang="zh-CN" sz="7200" dirty="0"/>
+          </a:p>
+          <a:p>
+            <a:pPr marL="0" lvl="1" indent="0">
+              <a:spcBef>
+                <a:spcPts val="1000"/>
+              </a:spcBef>
+              <a:buNone/>
+            </a:pPr>
+            <a:r>
+              <a:rPr lang="en-US" altLang="zh-CN" sz="5000" dirty="0" smtClean="0"/>
+              <a:t>  p1.innerHTML </a:t>
+            </a:r>
+            <a:r>
+              <a:rPr lang="en-US" altLang="zh-CN" sz="5000" dirty="0"/>
+              <a:t>= </a:t>
+            </a:r>
+            <a:r>
+              <a:rPr lang="en-US" altLang="zh-CN" sz="5000" dirty="0" smtClean="0"/>
+              <a:t>"This is a &lt;</a:t>
+            </a:r>
+            <a:r>
+              <a:rPr lang="en-US" altLang="zh-CN" sz="5000" dirty="0" err="1" smtClean="0"/>
+              <a:t>i</a:t>
+            </a:r>
+            <a:r>
+              <a:rPr lang="en-US" altLang="zh-CN" sz="5000" dirty="0" smtClean="0"/>
+              <a:t>&gt; simple&lt;/</a:t>
+            </a:r>
+            <a:r>
+              <a:rPr lang="en-US" altLang="zh-CN" sz="5000" dirty="0" err="1" smtClean="0"/>
+              <a:t>i</a:t>
+            </a:r>
+            <a:r>
+              <a:rPr lang="en-US" altLang="zh-CN" sz="5000" dirty="0" smtClean="0"/>
+              <a:t>&gt; HTML file.";</a:t>
+            </a:r>
+            <a:endParaRPr lang="en-US" altLang="zh-CN" sz="5000" dirty="0"/>
           </a:p>
           <a:p>
             <a:pPr marL="0" indent="0">
               <a:buNone/>
             </a:pPr>
             <a:endParaRPr lang="en-US" altLang="zh-CN" sz="5000" dirty="0"/>
-          </a:p>
-          <a:p>
-            <a:r>
-              <a:rPr lang="en-US" altLang="zh-CN" sz="2400" dirty="0" err="1" smtClean="0"/>
-              <a:t>querySelectorAll</a:t>
-            </a:r>
-            <a:r>
-              <a:rPr lang="en-US" altLang="zh-CN" sz="2400" dirty="0" smtClean="0"/>
-              <a:t> </a:t>
-            </a:r>
-            <a:r>
-              <a:rPr lang="en-US" altLang="zh-CN" sz="2400" dirty="0"/>
-              <a:t>(selector) </a:t>
-            </a:r>
-          </a:p>
-          <a:p>
-            <a:pPr marL="0" indent="0">
-              <a:buNone/>
-            </a:pPr>
-            <a:r>
-              <a:rPr lang="en-US" altLang="zh-CN" dirty="0"/>
-              <a:t>  </a:t>
-            </a:r>
-            <a:r>
-              <a:rPr lang="en-US" altLang="zh-CN" sz="2000" dirty="0" err="1"/>
-              <a:t>var</a:t>
-            </a:r>
-            <a:r>
-              <a:rPr lang="en-US" altLang="zh-CN" sz="2000" dirty="0"/>
-              <a:t> .</a:t>
-            </a:r>
-            <a:r>
-              <a:rPr lang="en-US" altLang="zh-CN" sz="2000" dirty="0" smtClean="0"/>
-              <a:t>callouts </a:t>
-            </a:r>
-            <a:r>
-              <a:rPr lang="en-US" altLang="zh-CN" sz="2000" dirty="0"/>
-              <a:t>= </a:t>
-            </a:r>
-            <a:r>
-              <a:rPr lang="en-US" altLang="zh-CN" sz="2000" dirty="0" err="1" smtClean="0"/>
-              <a:t>document.querySelectorAll</a:t>
-            </a:r>
-            <a:r>
-              <a:rPr lang="en-US" altLang="zh-CN" sz="2000" dirty="0" smtClean="0"/>
-              <a:t>(".</a:t>
-            </a:r>
-            <a:r>
-              <a:rPr lang="en-US" altLang="zh-CN" sz="2000" dirty="0"/>
-              <a:t>callout");</a:t>
-            </a:r>
-          </a:p>
-          <a:p>
-            <a:pPr marL="0" indent="0">
-              <a:buNone/>
-            </a:pPr>
-            <a:endParaRPr lang="en-US" altLang="zh-CN" sz="4000" dirty="0"/>
           </a:p>
           <a:p>
             <a:pPr marL="0" indent="0">
@@ -5160,7 +5974,7 @@
     </p:spTree>
     <p:extLst>
       <p:ext uri="{BB962C8B-B14F-4D97-AF65-F5344CB8AC3E}">
-        <p14:creationId xmlns:p14="http://schemas.microsoft.com/office/powerpoint/2010/main" val="3130685578"/>
+        <p14:creationId xmlns:p14="http://schemas.microsoft.com/office/powerpoint/2010/main" val="990847697"/>
       </p:ext>
     </p:extLst>
   </p:cSld>
@@ -5213,7 +6027,7 @@
           <a:p>
             <a:r>
               <a:rPr lang="en-US" altLang="zh-CN" dirty="0" smtClean="0"/>
-              <a:t>Event Handlers</a:t>
+              <a:t>CSS Selectors in JavaScript</a:t>
             </a:r>
             <a:endParaRPr lang="en-US" altLang="en-US" sz="4400" dirty="0"/>
           </a:p>
@@ -5237,27 +6051,17 @@
         </p:spPr>
         <p:txBody>
           <a:bodyPr>
-            <a:normAutofit fontScale="85000" lnSpcReduction="20000"/>
+            <a:normAutofit/>
           </a:bodyPr>
           <a:lstStyle/>
           <a:p>
             <a:r>
-              <a:rPr lang="en-US" altLang="zh-CN" dirty="0" smtClean="0"/>
-              <a:t>An </a:t>
-            </a:r>
-            <a:r>
-              <a:rPr lang="en-US" altLang="zh-CN" i="1" dirty="0" smtClean="0"/>
-              <a:t>event</a:t>
-            </a:r>
-            <a:r>
-              <a:rPr lang="en-US" altLang="zh-CN" dirty="0" smtClean="0"/>
-              <a:t> occurs when an action like loading a web page or clicking on a button occurs. </a:t>
-            </a:r>
-          </a:p>
-          <a:p>
-            <a:r>
-              <a:rPr lang="en-US" altLang="zh-CN" dirty="0" smtClean="0"/>
-              <a:t>An event handler is the JavaScript code that responses to an event. </a:t>
+              <a:rPr lang="en-US" altLang="zh-CN" sz="2400" dirty="0" err="1" smtClean="0"/>
+              <a:t>querySelector</a:t>
+            </a:r>
+            <a:r>
+              <a:rPr lang="en-US" altLang="zh-CN" sz="2400" dirty="0" smtClean="0"/>
+              <a:t> (selector) </a:t>
             </a:r>
           </a:p>
           <a:p>
@@ -5265,24 +6069,48 @@
               <a:buNone/>
             </a:pPr>
             <a:r>
-              <a:rPr lang="en-US" altLang="zh-CN" sz="2200" dirty="0" smtClean="0"/>
-              <a:t>   </a:t>
-            </a:r>
-            <a:r>
-              <a:rPr lang="en-US" altLang="zh-CN" sz="2200" dirty="0" err="1" smtClean="0"/>
+              <a:rPr lang="en-US" altLang="zh-CN" sz="2000" dirty="0"/>
+              <a:t> </a:t>
+            </a:r>
+            <a:r>
+              <a:rPr lang="en-US" altLang="zh-CN" sz="2000" dirty="0" smtClean="0"/>
+              <a:t> </a:t>
+            </a:r>
+            <a:r>
+              <a:rPr lang="en-US" altLang="zh-CN" sz="2000" dirty="0" err="1" smtClean="0"/>
               <a:t>var</a:t>
             </a:r>
             <a:r>
-              <a:rPr lang="en-US" altLang="zh-CN" sz="2200" dirty="0" smtClean="0"/>
+              <a:rPr lang="en-US" altLang="zh-CN" sz="2000" dirty="0" smtClean="0"/>
+              <a:t> .callout = </a:t>
+            </a:r>
+            <a:r>
+              <a:rPr lang="en-US" altLang="zh-CN" sz="2000" dirty="0" err="1" smtClean="0"/>
+              <a:t>document.querySelector</a:t>
+            </a:r>
+            <a:r>
+              <a:rPr lang="en-US" altLang="zh-CN" sz="2000" dirty="0" smtClean="0"/>
+              <a:t>(".callout");</a:t>
+            </a:r>
+          </a:p>
+          <a:p>
+            <a:pPr marL="0" indent="0">
+              <a:buNone/>
+            </a:pPr>
+            <a:endParaRPr lang="en-US" altLang="zh-CN" sz="5000" dirty="0"/>
+          </a:p>
+          <a:p>
+            <a:r>
+              <a:rPr lang="en-US" altLang="zh-CN" sz="2400" dirty="0" err="1" smtClean="0"/>
+              <a:t>querySelectorAll</a:t>
+            </a:r>
+            <a:r>
+              <a:rPr lang="en-US" altLang="zh-CN" sz="2400" dirty="0" smtClean="0"/>
               <a:t> </a:t>
             </a:r>
             <a:r>
-              <a:rPr lang="en-US" altLang="zh-CN" sz="2200" dirty="0" err="1" smtClean="0"/>
-              <a:t>printPage</a:t>
-            </a:r>
-            <a:r>
-              <a:rPr lang="en-US" altLang="zh-CN" sz="2200" dirty="0" smtClean="0"/>
-              <a:t> = function() {</a:t>
+              <a:rPr lang="en-US" altLang="zh-CN" sz="2400" dirty="0"/>
+              <a:t>(selector) </a:t>
             </a:r>
           </a:p>
           <a:p>
@@ -5290,153 +6118,49 @@
               <a:buNone/>
             </a:pPr>
             <a:r>
-              <a:rPr lang="en-US" altLang="zh-CN" sz="2200" dirty="0"/>
-              <a:t> </a:t>
-            </a:r>
-            <a:r>
-              <a:rPr lang="en-US" altLang="zh-CN" sz="2200" dirty="0" smtClean="0"/>
-              <a:t>     // this is the event handler for the click event of a button;</a:t>
+              <a:rPr lang="en-US" altLang="zh-CN" dirty="0"/>
+              <a:t>  </a:t>
+            </a:r>
+            <a:r>
+              <a:rPr lang="en-US" altLang="zh-CN" sz="2000" dirty="0" err="1"/>
+              <a:t>var</a:t>
+            </a:r>
+            <a:r>
+              <a:rPr lang="en-US" altLang="zh-CN" sz="2000" dirty="0"/>
+              <a:t> .</a:t>
+            </a:r>
+            <a:r>
+              <a:rPr lang="en-US" altLang="zh-CN" sz="2000" dirty="0" smtClean="0"/>
+              <a:t>callouts </a:t>
+            </a:r>
+            <a:r>
+              <a:rPr lang="en-US" altLang="zh-CN" sz="2000" dirty="0"/>
+              <a:t>= </a:t>
+            </a:r>
+            <a:r>
+              <a:rPr lang="en-US" altLang="zh-CN" sz="2000" dirty="0" err="1" smtClean="0"/>
+              <a:t>document.querySelectorAll</a:t>
+            </a:r>
+            <a:r>
+              <a:rPr lang="en-US" altLang="zh-CN" sz="2000" dirty="0" smtClean="0"/>
+              <a:t>(".</a:t>
+            </a:r>
+            <a:r>
+              <a:rPr lang="en-US" altLang="zh-CN" sz="2000" dirty="0"/>
+              <a:t>callout");</a:t>
             </a:r>
           </a:p>
           <a:p>
             <a:pPr marL="0" indent="0">
               <a:buNone/>
             </a:pPr>
-            <a:r>
-              <a:rPr lang="en-US" altLang="zh-CN" sz="2200" dirty="0"/>
-              <a:t> </a:t>
-            </a:r>
-            <a:r>
-              <a:rPr lang="en-US" altLang="zh-CN" sz="2200" dirty="0" smtClean="0"/>
-              <a:t>      </a:t>
-            </a:r>
-            <a:r>
-              <a:rPr lang="en-US" altLang="zh-CN" sz="2200" dirty="0" err="1" smtClean="0"/>
-              <a:t>window.print</a:t>
-            </a:r>
-            <a:r>
-              <a:rPr lang="en-US" altLang="zh-CN" sz="2200" dirty="0" smtClean="0"/>
-              <a:t>();</a:t>
-            </a:r>
+            <a:endParaRPr lang="en-US" altLang="zh-CN" sz="4000" dirty="0"/>
           </a:p>
           <a:p>
             <a:pPr marL="0" indent="0">
               <a:buNone/>
             </a:pPr>
-            <a:r>
-              <a:rPr lang="en-US" altLang="zh-CN" sz="2200" dirty="0" smtClean="0"/>
-              <a:t>   }</a:t>
-            </a:r>
-          </a:p>
-          <a:p>
-            <a:pPr marL="0" indent="0">
-              <a:buNone/>
-            </a:pPr>
-            <a:r>
-              <a:rPr lang="en-US" altLang="zh-CN" sz="2200" dirty="0"/>
-              <a:t> </a:t>
-            </a:r>
-            <a:r>
-              <a:rPr lang="en-US" altLang="zh-CN" sz="2200" dirty="0" smtClean="0"/>
-              <a:t>  </a:t>
-            </a:r>
-          </a:p>
-          <a:p>
-            <a:pPr marL="0" indent="0">
-              <a:buNone/>
-            </a:pPr>
-            <a:r>
-              <a:rPr lang="en-US" altLang="zh-CN" sz="2200" dirty="0"/>
-              <a:t> </a:t>
-            </a:r>
-            <a:r>
-              <a:rPr lang="en-US" altLang="zh-CN" sz="2200" dirty="0" smtClean="0"/>
-              <a:t>  </a:t>
-            </a:r>
-            <a:r>
-              <a:rPr lang="en-US" altLang="zh-CN" sz="2200" dirty="0" err="1" smtClean="0"/>
-              <a:t>window.onload</a:t>
-            </a:r>
-            <a:r>
-              <a:rPr lang="en-US" altLang="zh-CN" sz="2200" dirty="0" smtClean="0"/>
-              <a:t> = function() {</a:t>
-            </a:r>
-          </a:p>
-          <a:p>
-            <a:pPr marL="0" indent="0">
-              <a:buNone/>
-            </a:pPr>
-            <a:r>
-              <a:rPr lang="en-US" altLang="zh-CN" sz="2200" dirty="0"/>
-              <a:t> </a:t>
-            </a:r>
-            <a:r>
-              <a:rPr lang="en-US" altLang="zh-CN" sz="2200" dirty="0" smtClean="0"/>
-              <a:t>       // this is the even handler for the </a:t>
-            </a:r>
-            <a:r>
-              <a:rPr lang="en-US" altLang="zh-CN" sz="2200" dirty="0" err="1" smtClean="0"/>
-              <a:t>onload</a:t>
-            </a:r>
-            <a:r>
-              <a:rPr lang="en-US" altLang="zh-CN" sz="2200" dirty="0" smtClean="0"/>
-              <a:t> event;</a:t>
-            </a:r>
-          </a:p>
-          <a:p>
-            <a:pPr marL="0" indent="0">
-              <a:buNone/>
-            </a:pPr>
-            <a:r>
-              <a:rPr lang="en-US" altLang="zh-CN" sz="2200" dirty="0"/>
-              <a:t> </a:t>
-            </a:r>
-            <a:r>
-              <a:rPr lang="en-US" altLang="zh-CN" sz="2200" dirty="0" smtClean="0"/>
-              <a:t>       </a:t>
-            </a:r>
-            <a:r>
-              <a:rPr lang="en-US" altLang="zh-CN" sz="2200" dirty="0" err="1" smtClean="0"/>
-              <a:t>getElementById</a:t>
-            </a:r>
-            <a:r>
-              <a:rPr lang="en-US" altLang="zh-CN" sz="2200" dirty="0" smtClean="0"/>
-              <a:t>("</a:t>
-            </a:r>
-            <a:r>
-              <a:rPr lang="en-US" altLang="zh-CN" sz="2200" dirty="0" err="1" smtClean="0"/>
-              <a:t>printButton</a:t>
-            </a:r>
-            <a:r>
-              <a:rPr lang="en-US" altLang="zh-CN" sz="2200" dirty="0" smtClean="0"/>
-              <a:t>").</a:t>
-            </a:r>
-            <a:r>
-              <a:rPr lang="en-US" altLang="zh-CN" sz="2200" dirty="0" err="1" smtClean="0"/>
-              <a:t>onclick</a:t>
-            </a:r>
-            <a:r>
-              <a:rPr lang="en-US" altLang="zh-CN" sz="2200" dirty="0" smtClean="0"/>
-              <a:t> = </a:t>
-            </a:r>
-            <a:r>
-              <a:rPr lang="en-US" altLang="zh-CN" sz="2200" dirty="0" err="1" smtClean="0"/>
-              <a:t>printPage</a:t>
-            </a:r>
-            <a:r>
-              <a:rPr lang="en-US" altLang="zh-CN" sz="2200" dirty="0" smtClean="0"/>
-              <a:t>;</a:t>
-            </a:r>
-          </a:p>
-          <a:p>
-            <a:pPr marL="0" indent="0">
-              <a:buNone/>
-            </a:pPr>
-            <a:r>
-              <a:rPr lang="en-US" altLang="zh-CN" sz="2200" dirty="0" smtClean="0"/>
-              <a:t>   }</a:t>
-            </a:r>
-            <a:endParaRPr lang="en-US" altLang="zh-CN" sz="2200" dirty="0"/>
+            <a:endParaRPr lang="en-US" altLang="zh-CN" dirty="0" smtClean="0"/>
           </a:p>
         </p:txBody>
       </p:sp>
@@ -5467,7 +6191,7 @@
     </p:spTree>
     <p:extLst>
       <p:ext uri="{BB962C8B-B14F-4D97-AF65-F5344CB8AC3E}">
-        <p14:creationId xmlns:p14="http://schemas.microsoft.com/office/powerpoint/2010/main" val="1264286278"/>
+        <p14:creationId xmlns:p14="http://schemas.microsoft.com/office/powerpoint/2010/main" val="3130685578"/>
       </p:ext>
     </p:extLst>
   </p:cSld>
@@ -5503,6 +6227,313 @@
       </p:grpSpPr>
       <p:sp>
         <p:nvSpPr>
+          <p:cNvPr id="5122" name="Rectangle 2"/>
+          <p:cNvSpPr>
+            <a:spLocks noGrp="1" noChangeArrowheads="1"/>
+          </p:cNvSpPr>
+          <p:nvPr>
+            <p:ph type="title"/>
+          </p:nvPr>
+        </p:nvSpPr>
+        <p:spPr/>
+        <p:txBody>
+          <a:bodyPr>
+            <a:normAutofit/>
+          </a:bodyPr>
+          <a:lstStyle/>
+          <a:p>
+            <a:r>
+              <a:rPr lang="en-US" altLang="zh-CN" dirty="0" smtClean="0"/>
+              <a:t>Event Handlers</a:t>
+            </a:r>
+            <a:endParaRPr lang="en-US" altLang="en-US" sz="4400" dirty="0"/>
+          </a:p>
+        </p:txBody>
+      </p:sp>
+      <p:sp>
+        <p:nvSpPr>
+          <p:cNvPr id="5123" name="Rectangle 3"/>
+          <p:cNvSpPr>
+            <a:spLocks noGrp="1" noChangeArrowheads="1"/>
+          </p:cNvSpPr>
+          <p:nvPr>
+            <p:ph idx="1"/>
+          </p:nvPr>
+        </p:nvSpPr>
+        <p:spPr>
+          <a:xfrm>
+            <a:off x="861060" y="1752600"/>
+            <a:ext cx="10515600" cy="4348163"/>
+          </a:xfrm>
+        </p:spPr>
+        <p:txBody>
+          <a:bodyPr>
+            <a:normAutofit fontScale="85000" lnSpcReduction="20000"/>
+          </a:bodyPr>
+          <a:lstStyle/>
+          <a:p>
+            <a:r>
+              <a:rPr lang="en-US" altLang="zh-CN" dirty="0" smtClean="0"/>
+              <a:t>An </a:t>
+            </a:r>
+            <a:r>
+              <a:rPr lang="en-US" altLang="zh-CN" i="1" dirty="0" smtClean="0"/>
+              <a:t>event</a:t>
+            </a:r>
+            <a:r>
+              <a:rPr lang="en-US" altLang="zh-CN" dirty="0" smtClean="0"/>
+              <a:t> occurs when an action like loading a web page or clicking on a button occurs. </a:t>
+            </a:r>
+          </a:p>
+          <a:p>
+            <a:r>
+              <a:rPr lang="en-US" altLang="zh-CN" dirty="0" smtClean="0"/>
+              <a:t>An event handler is the JavaScript code that responses to an event. </a:t>
+            </a:r>
+          </a:p>
+          <a:p>
+            <a:pPr marL="0" indent="0">
+              <a:buNone/>
+            </a:pPr>
+            <a:r>
+              <a:rPr lang="en-US" altLang="zh-CN" sz="2200" dirty="0" smtClean="0"/>
+              <a:t>   </a:t>
+            </a:r>
+            <a:r>
+              <a:rPr lang="en-US" altLang="zh-CN" sz="2200" dirty="0" err="1" smtClean="0"/>
+              <a:t>var</a:t>
+            </a:r>
+            <a:r>
+              <a:rPr lang="en-US" altLang="zh-CN" sz="2200" dirty="0" smtClean="0"/>
+              <a:t> </a:t>
+            </a:r>
+            <a:r>
+              <a:rPr lang="en-US" altLang="zh-CN" sz="2200" dirty="0" err="1" smtClean="0"/>
+              <a:t>printPage</a:t>
+            </a:r>
+            <a:r>
+              <a:rPr lang="en-US" altLang="zh-CN" sz="2200" dirty="0" smtClean="0"/>
+              <a:t> = function() {</a:t>
+            </a:r>
+          </a:p>
+          <a:p>
+            <a:pPr marL="0" indent="0">
+              <a:buNone/>
+            </a:pPr>
+            <a:r>
+              <a:rPr lang="en-US" altLang="zh-CN" sz="2200" dirty="0"/>
+              <a:t> </a:t>
+            </a:r>
+            <a:r>
+              <a:rPr lang="en-US" altLang="zh-CN" sz="2200" dirty="0" smtClean="0"/>
+              <a:t>     // this is the event handler for the click event of a button;</a:t>
+            </a:r>
+          </a:p>
+          <a:p>
+            <a:pPr marL="0" indent="0">
+              <a:buNone/>
+            </a:pPr>
+            <a:r>
+              <a:rPr lang="en-US" altLang="zh-CN" sz="2200" dirty="0"/>
+              <a:t> </a:t>
+            </a:r>
+            <a:r>
+              <a:rPr lang="en-US" altLang="zh-CN" sz="2200" dirty="0" smtClean="0"/>
+              <a:t>      </a:t>
+            </a:r>
+            <a:r>
+              <a:rPr lang="en-US" altLang="zh-CN" sz="2200" dirty="0" err="1" smtClean="0"/>
+              <a:t>window.print</a:t>
+            </a:r>
+            <a:r>
+              <a:rPr lang="en-US" altLang="zh-CN" sz="2200" dirty="0" smtClean="0"/>
+              <a:t>();</a:t>
+            </a:r>
+          </a:p>
+          <a:p>
+            <a:pPr marL="0" indent="0">
+              <a:buNone/>
+            </a:pPr>
+            <a:r>
+              <a:rPr lang="en-US" altLang="zh-CN" sz="2200" dirty="0" smtClean="0"/>
+              <a:t>   }</a:t>
+            </a:r>
+          </a:p>
+          <a:p>
+            <a:pPr marL="0" indent="0">
+              <a:buNone/>
+            </a:pPr>
+            <a:r>
+              <a:rPr lang="en-US" altLang="zh-CN" sz="2200" dirty="0"/>
+              <a:t> </a:t>
+            </a:r>
+            <a:r>
+              <a:rPr lang="en-US" altLang="zh-CN" sz="2200" dirty="0" smtClean="0"/>
+              <a:t>  </a:t>
+            </a:r>
+          </a:p>
+          <a:p>
+            <a:pPr marL="0" indent="0">
+              <a:buNone/>
+            </a:pPr>
+            <a:r>
+              <a:rPr lang="en-US" altLang="zh-CN" sz="2200" dirty="0"/>
+              <a:t> </a:t>
+            </a:r>
+            <a:r>
+              <a:rPr lang="en-US" altLang="zh-CN" sz="2200" dirty="0" smtClean="0"/>
+              <a:t>  </a:t>
+            </a:r>
+            <a:r>
+              <a:rPr lang="en-US" altLang="zh-CN" sz="2200" dirty="0" err="1" smtClean="0"/>
+              <a:t>window.onload</a:t>
+            </a:r>
+            <a:r>
+              <a:rPr lang="en-US" altLang="zh-CN" sz="2200" dirty="0" smtClean="0"/>
+              <a:t> = function() {</a:t>
+            </a:r>
+          </a:p>
+          <a:p>
+            <a:pPr marL="0" indent="0">
+              <a:buNone/>
+            </a:pPr>
+            <a:r>
+              <a:rPr lang="en-US" altLang="zh-CN" sz="2200" dirty="0"/>
+              <a:t> </a:t>
+            </a:r>
+            <a:r>
+              <a:rPr lang="en-US" altLang="zh-CN" sz="2200" dirty="0" smtClean="0"/>
+              <a:t>       // this is the even handler for the </a:t>
+            </a:r>
+            <a:r>
+              <a:rPr lang="en-US" altLang="zh-CN" sz="2200" dirty="0" err="1" smtClean="0"/>
+              <a:t>onload</a:t>
+            </a:r>
+            <a:r>
+              <a:rPr lang="en-US" altLang="zh-CN" sz="2200" dirty="0" smtClean="0"/>
+              <a:t> event;</a:t>
+            </a:r>
+          </a:p>
+          <a:p>
+            <a:pPr marL="0" indent="0">
+              <a:buNone/>
+            </a:pPr>
+            <a:r>
+              <a:rPr lang="en-US" altLang="zh-CN" sz="2200" dirty="0"/>
+              <a:t> </a:t>
+            </a:r>
+            <a:r>
+              <a:rPr lang="en-US" altLang="zh-CN" sz="2200" dirty="0" smtClean="0"/>
+              <a:t>       </a:t>
+            </a:r>
+            <a:r>
+              <a:rPr lang="en-US" altLang="zh-CN" sz="2200" dirty="0" err="1" smtClean="0"/>
+              <a:t>getElementById</a:t>
+            </a:r>
+            <a:r>
+              <a:rPr lang="en-US" altLang="zh-CN" sz="2200" dirty="0" smtClean="0"/>
+              <a:t>("</a:t>
+            </a:r>
+            <a:r>
+              <a:rPr lang="en-US" altLang="zh-CN" sz="2200" dirty="0" err="1" smtClean="0"/>
+              <a:t>printButton</a:t>
+            </a:r>
+            <a:r>
+              <a:rPr lang="en-US" altLang="zh-CN" sz="2200" dirty="0" smtClean="0"/>
+              <a:t>").</a:t>
+            </a:r>
+            <a:r>
+              <a:rPr lang="en-US" altLang="zh-CN" sz="2200" dirty="0" err="1" smtClean="0"/>
+              <a:t>onclick</a:t>
+            </a:r>
+            <a:r>
+              <a:rPr lang="en-US" altLang="zh-CN" sz="2200" dirty="0" smtClean="0"/>
+              <a:t> = </a:t>
+            </a:r>
+            <a:r>
+              <a:rPr lang="en-US" altLang="zh-CN" sz="2200" dirty="0" err="1" smtClean="0"/>
+              <a:t>printPage</a:t>
+            </a:r>
+            <a:r>
+              <a:rPr lang="en-US" altLang="zh-CN" sz="2200" dirty="0" smtClean="0"/>
+              <a:t>;</a:t>
+            </a:r>
+          </a:p>
+          <a:p>
+            <a:pPr marL="0" indent="0">
+              <a:buNone/>
+            </a:pPr>
+            <a:r>
+              <a:rPr lang="en-US" altLang="zh-CN" sz="2200" dirty="0" smtClean="0"/>
+              <a:t>   }</a:t>
+            </a:r>
+            <a:endParaRPr lang="en-US" altLang="zh-CN" sz="2200" dirty="0"/>
+          </a:p>
+        </p:txBody>
+      </p:sp>
+      <p:sp>
+        <p:nvSpPr>
+          <p:cNvPr id="4" name="灯片编号占位符 5"/>
+          <p:cNvSpPr>
+            <a:spLocks noGrp="1"/>
+          </p:cNvSpPr>
+          <p:nvPr>
+            <p:ph type="sldNum" sz="quarter" idx="12"/>
+          </p:nvPr>
+        </p:nvSpPr>
+        <p:spPr/>
+        <p:txBody>
+          <a:bodyPr/>
+          <a:lstStyle/>
+          <a:p>
+            <a:fld id="{68174C96-B78C-45C5-9D7A-D140C151B975}" type="slidenum">
+              <a:rPr lang="en-US" altLang="en-US"/>
+              <a:pPr/>
+              <a:t>7</a:t>
+            </a:fld>
+            <a:endParaRPr lang="en-US" altLang="en-US"/>
+          </a:p>
+        </p:txBody>
+      </p:sp>
+    </p:spTree>
+    <p:extLst>
+      <p:ext uri="{BB962C8B-B14F-4D97-AF65-F5344CB8AC3E}">
+        <p14:creationId xmlns:p14="http://schemas.microsoft.com/office/powerpoint/2010/main" val="1264286278"/>
+      </p:ext>
+    </p:extLst>
+  </p:cSld>
+  <p:clrMapOvr>
+    <a:masterClrMapping/>
+  </p:clrMapOvr>
+  <p:timing>
+    <p:tnLst>
+      <p:par>
+        <p:cTn id="1" dur="indefinite" restart="never" nodeType="tmRoot"/>
+      </p:par>
+    </p:tnLst>
+  </p:timing>
+</p:sld>
+</file>
+
+<file path=ppt/slides/slide8.xml><?xml version="1.0" encoding="utf-8"?>
+<p:sld xmlns:a="http://schemas.openxmlformats.org/drawingml/2006/main" xmlns:r="http://schemas.openxmlformats.org/officeDocument/2006/relationships" xmlns:p="http://schemas.openxmlformats.org/presentationml/2006/main">
+  <p:cSld>
+    <p:spTree>
+      <p:nvGrpSpPr>
+        <p:cNvPr id="1" name=""/>
+        <p:cNvGrpSpPr/>
+        <p:nvPr/>
+      </p:nvGrpSpPr>
+      <p:grpSpPr>
+        <a:xfrm>
+          <a:off x="0" y="0"/>
+          <a:ext cx="0" cy="0"/>
+          <a:chOff x="0" y="0"/>
+          <a:chExt cx="0" cy="0"/>
+        </a:xfrm>
+      </p:grpSpPr>
+      <p:sp>
+        <p:nvSpPr>
           <p:cNvPr id="3074" name="Rectangle 2"/>
           <p:cNvSpPr>
             <a:spLocks noGrp="1" noChangeArrowheads="1"/>
@@ -5551,7 +6582,15 @@
             </a:r>
             <a:r>
               <a:rPr lang="en-US" altLang="en-US" sz="2800" dirty="0" smtClean="0"/>
-              <a:t> element coded in the head section to specify an external JavaScript file.</a:t>
+              <a:t> element </a:t>
+            </a:r>
+            <a:r>
+              <a:rPr lang="en-US" altLang="en-US" sz="2800" dirty="0" smtClean="0"/>
+              <a:t>is coded </a:t>
+            </a:r>
+            <a:r>
+              <a:rPr lang="en-US" altLang="en-US" sz="2800" dirty="0" smtClean="0"/>
+              <a:t>in the head section to specify an external JavaScript file.</a:t>
             </a:r>
           </a:p>
           <a:p>
@@ -5586,7 +6625,15 @@
             </a:r>
             <a:r>
               <a:rPr lang="en-US" altLang="en-US" sz="2800" dirty="0"/>
-              <a:t> element coded in the head section to </a:t>
+              <a:t> element </a:t>
+            </a:r>
+            <a:r>
+              <a:rPr lang="en-US" altLang="en-US" sz="2800" dirty="0" smtClean="0"/>
+              <a:t>is coded </a:t>
+            </a:r>
+            <a:r>
+              <a:rPr lang="en-US" altLang="en-US" sz="2800" dirty="0"/>
+              <a:t>in the head section to </a:t>
             </a:r>
             <a:r>
               <a:rPr lang="en-US" altLang="en-US" sz="2800" dirty="0" smtClean="0"/>
@@ -5652,7 +6699,19 @@
             </a:r>
             <a:r>
               <a:rPr lang="en-US" altLang="en-US" sz="2800" dirty="0" smtClean="0"/>
-              <a:t> element coded in the body section to embed JavaScript. </a:t>
+              <a:t> </a:t>
+            </a:r>
+            <a:r>
+              <a:rPr lang="en-US" altLang="en-US" sz="2800" smtClean="0"/>
+              <a:t>element </a:t>
+            </a:r>
+            <a:r>
+              <a:rPr lang="en-US" altLang="en-US" sz="2800" smtClean="0"/>
+              <a:t>is coded </a:t>
+            </a:r>
+            <a:r>
+              <a:rPr lang="en-US" altLang="en-US" sz="2800" dirty="0" smtClean="0"/>
+              <a:t>in the body section to embed JavaScript. </a:t>
             </a:r>
           </a:p>
           <a:p>
@@ -5678,7 +6737,7 @@
             <a:fld id="{657EC180-B97A-4DDB-836E-DAA296AA995E}" type="slidenum">
               <a:rPr lang="en-US" altLang="en-US" smtClean="0"/>
               <a:pPr/>
-              <a:t>7</a:t>
+              <a:t>8</a:t>
             </a:fld>
             <a:endParaRPr lang="en-US" altLang="en-US"/>
           </a:p>
